--- a/Stock_Prediction_Flask_Project_Presentation1.pptx
+++ b/Stock_Prediction_Flask_Project_Presentation1.pptx
@@ -8,26 +8,31 @@
     <p:sldId id="256" r:id="rId2"/>
     <p:sldId id="270" r:id="rId3"/>
     <p:sldId id="265" r:id="rId4"/>
-    <p:sldId id="257" r:id="rId5"/>
-    <p:sldId id="259" r:id="rId6"/>
-    <p:sldId id="258" r:id="rId7"/>
-    <p:sldId id="273" r:id="rId8"/>
-    <p:sldId id="261" r:id="rId9"/>
-    <p:sldId id="274" r:id="rId10"/>
-    <p:sldId id="275" r:id="rId11"/>
-    <p:sldId id="276" r:id="rId12"/>
-    <p:sldId id="277" r:id="rId13"/>
-    <p:sldId id="262" r:id="rId14"/>
-    <p:sldId id="266" r:id="rId15"/>
-    <p:sldId id="267" r:id="rId16"/>
-    <p:sldId id="268" r:id="rId17"/>
-    <p:sldId id="269" r:id="rId18"/>
-    <p:sldId id="271" r:id="rId19"/>
-    <p:sldId id="272" r:id="rId20"/>
-    <p:sldId id="263" r:id="rId21"/>
-    <p:sldId id="278" r:id="rId22"/>
-    <p:sldId id="279" r:id="rId23"/>
-    <p:sldId id="264" r:id="rId24"/>
+    <p:sldId id="284" r:id="rId5"/>
+    <p:sldId id="280" r:id="rId6"/>
+    <p:sldId id="259" r:id="rId7"/>
+    <p:sldId id="258" r:id="rId8"/>
+    <p:sldId id="257" r:id="rId9"/>
+    <p:sldId id="281" r:id="rId10"/>
+    <p:sldId id="282" r:id="rId11"/>
+    <p:sldId id="283" r:id="rId12"/>
+    <p:sldId id="273" r:id="rId13"/>
+    <p:sldId id="261" r:id="rId14"/>
+    <p:sldId id="274" r:id="rId15"/>
+    <p:sldId id="275" r:id="rId16"/>
+    <p:sldId id="276" r:id="rId17"/>
+    <p:sldId id="277" r:id="rId18"/>
+    <p:sldId id="262" r:id="rId19"/>
+    <p:sldId id="266" r:id="rId20"/>
+    <p:sldId id="267" r:id="rId21"/>
+    <p:sldId id="268" r:id="rId22"/>
+    <p:sldId id="269" r:id="rId23"/>
+    <p:sldId id="271" r:id="rId24"/>
+    <p:sldId id="272" r:id="rId25"/>
+    <p:sldId id="263" r:id="rId26"/>
+    <p:sldId id="278" r:id="rId27"/>
+    <p:sldId id="279" r:id="rId28"/>
+    <p:sldId id="264" r:id="rId29"/>
   </p:sldIdLst>
   <p:sldSz cx="9144000" cy="6858000" type="screen4x3"/>
   <p:notesSz cx="6858000" cy="9144000"/>
@@ -276,7 +281,7 @@
           <a:p>
             <a:fld id="{5BCAD085-E8A6-8845-BD4E-CB4CCA059FC4}" type="datetimeFigureOut">
               <a:rPr lang="en-US" smtClean="0"/>
-              <a:t>10/11/2025</a:t>
+              <a:t>10/15/2025</a:t>
             </a:fld>
             <a:endParaRPr lang="en-US"/>
           </a:p>
@@ -446,7 +451,7 @@
           <a:p>
             <a:fld id="{5BCAD085-E8A6-8845-BD4E-CB4CCA059FC4}" type="datetimeFigureOut">
               <a:rPr lang="en-US" smtClean="0"/>
-              <a:t>10/11/2025</a:t>
+              <a:t>10/15/2025</a:t>
             </a:fld>
             <a:endParaRPr lang="en-US"/>
           </a:p>
@@ -626,7 +631,7 @@
           <a:p>
             <a:fld id="{5BCAD085-E8A6-8845-BD4E-CB4CCA059FC4}" type="datetimeFigureOut">
               <a:rPr lang="en-US" smtClean="0"/>
-              <a:t>10/11/2025</a:t>
+              <a:t>10/15/2025</a:t>
             </a:fld>
             <a:endParaRPr lang="en-US"/>
           </a:p>
@@ -796,7 +801,7 @@
           <a:p>
             <a:fld id="{5BCAD085-E8A6-8845-BD4E-CB4CCA059FC4}" type="datetimeFigureOut">
               <a:rPr lang="en-US" smtClean="0"/>
-              <a:t>10/11/2025</a:t>
+              <a:t>10/15/2025</a:t>
             </a:fld>
             <a:endParaRPr lang="en-US"/>
           </a:p>
@@ -1042,7 +1047,7 @@
           <a:p>
             <a:fld id="{5BCAD085-E8A6-8845-BD4E-CB4CCA059FC4}" type="datetimeFigureOut">
               <a:rPr lang="en-US" smtClean="0"/>
-              <a:t>10/11/2025</a:t>
+              <a:t>10/15/2025</a:t>
             </a:fld>
             <a:endParaRPr lang="en-US"/>
           </a:p>
@@ -1274,7 +1279,7 @@
           <a:p>
             <a:fld id="{5BCAD085-E8A6-8845-BD4E-CB4CCA059FC4}" type="datetimeFigureOut">
               <a:rPr lang="en-US" smtClean="0"/>
-              <a:t>10/11/2025</a:t>
+              <a:t>10/15/2025</a:t>
             </a:fld>
             <a:endParaRPr lang="en-US"/>
           </a:p>
@@ -1641,7 +1646,7 @@
           <a:p>
             <a:fld id="{5BCAD085-E8A6-8845-BD4E-CB4CCA059FC4}" type="datetimeFigureOut">
               <a:rPr lang="en-US" smtClean="0"/>
-              <a:t>10/11/2025</a:t>
+              <a:t>10/15/2025</a:t>
             </a:fld>
             <a:endParaRPr lang="en-US"/>
           </a:p>
@@ -1759,7 +1764,7 @@
           <a:p>
             <a:fld id="{5BCAD085-E8A6-8845-BD4E-CB4CCA059FC4}" type="datetimeFigureOut">
               <a:rPr lang="en-US" smtClean="0"/>
-              <a:t>10/11/2025</a:t>
+              <a:t>10/15/2025</a:t>
             </a:fld>
             <a:endParaRPr lang="en-US"/>
           </a:p>
@@ -1854,7 +1859,7 @@
           <a:p>
             <a:fld id="{5BCAD085-E8A6-8845-BD4E-CB4CCA059FC4}" type="datetimeFigureOut">
               <a:rPr lang="en-US" smtClean="0"/>
-              <a:t>10/11/2025</a:t>
+              <a:t>10/15/2025</a:t>
             </a:fld>
             <a:endParaRPr lang="en-US"/>
           </a:p>
@@ -2131,7 +2136,7 @@
           <a:p>
             <a:fld id="{5BCAD085-E8A6-8845-BD4E-CB4CCA059FC4}" type="datetimeFigureOut">
               <a:rPr lang="en-US" smtClean="0"/>
-              <a:t>10/11/2025</a:t>
+              <a:t>10/15/2025</a:t>
             </a:fld>
             <a:endParaRPr lang="en-US"/>
           </a:p>
@@ -2384,7 +2389,7 @@
           <a:p>
             <a:fld id="{5BCAD085-E8A6-8845-BD4E-CB4CCA059FC4}" type="datetimeFigureOut">
               <a:rPr lang="en-US" smtClean="0"/>
-              <a:t>10/11/2025</a:t>
+              <a:t>10/15/2025</a:t>
             </a:fld>
             <a:endParaRPr lang="en-US"/>
           </a:p>
@@ -2597,7 +2602,7 @@
           <a:p>
             <a:fld id="{5BCAD085-E8A6-8845-BD4E-CB4CCA059FC4}" type="datetimeFigureOut">
               <a:rPr lang="en-US" smtClean="0"/>
-              <a:t>10/11/2025</a:t>
+              <a:t>10/15/2025</a:t>
             </a:fld>
             <a:endParaRPr lang="en-US"/>
           </a:p>
@@ -3233,7 +3238,7 @@
       <p:bgPr>
         <a:blipFill dpi="0" rotWithShape="1">
           <a:blip r:embed="rId2">
-            <a:alphaModFix amt="21000"/>
+            <a:alphaModFix amt="22000"/>
             <a:lum/>
           </a:blip>
           <a:srcRect/>
@@ -3275,11 +3280,7 @@
           <a:p>
             <a:r>
               <a:rPr lang="en-US" dirty="0" smtClean="0"/>
-              <a:t>Methodology: Data </a:t>
-            </a:r>
-            <a:r>
-              <a:rPr lang="en-US" dirty="0" err="1" smtClean="0"/>
-              <a:t>PreProcessing</a:t>
+              <a:t>Proposed System</a:t>
             </a:r>
             <a:endParaRPr lang="en-US" dirty="0"/>
           </a:p>
@@ -3302,23 +3303,15 @@
           <a:p>
             <a:r>
               <a:rPr lang="en-US" dirty="0"/>
-              <a:t>Before training the machine learning model, the </a:t>
-            </a:r>
-            <a:r>
-              <a:rPr lang="en-US" dirty="0" smtClean="0"/>
-              <a:t>data uses </a:t>
-            </a:r>
-            <a:r>
-              <a:rPr lang="en-US" dirty="0"/>
-              <a:t>underwent comprehensive data </a:t>
-            </a:r>
-            <a:r>
-              <a:rPr lang="en-US" dirty="0" smtClean="0"/>
-              <a:t>preprocessing </a:t>
-            </a:r>
-            <a:r>
-              <a:rPr lang="en-US" dirty="0"/>
-              <a:t>to ensure accuracy and reliability</a:t>
+              <a:t>The proposed system uses </a:t>
+            </a:r>
+            <a:r>
+              <a:rPr lang="en-US" b="1" dirty="0"/>
+              <a:t>Machine Learning algorithms</a:t>
+            </a:r>
+            <a:r>
+              <a:rPr lang="en-US" dirty="0"/>
+              <a:t> to accurately predict future stock prices</a:t>
             </a:r>
             <a:r>
               <a:rPr lang="en-US" dirty="0" smtClean="0"/>
@@ -3328,15 +3321,33 @@
           <a:p>
             <a:r>
               <a:rPr lang="en-US" dirty="0"/>
-              <a:t>Missing values were handled using </a:t>
-            </a:r>
-            <a:r>
-              <a:rPr lang="en-US" dirty="0" smtClean="0"/>
-              <a:t>simple Imputer</a:t>
-            </a:r>
-            <a:r>
-              <a:rPr lang="en-US" dirty="0"/>
-              <a:t>, outliers were addressed with the capping method, and all numerical Features were scaled using Standard Scaler to standardize the data</a:t>
+              <a:t>It analyzes </a:t>
+            </a:r>
+            <a:r>
+              <a:rPr lang="en-US" b="1" dirty="0"/>
+              <a:t>historical stock data</a:t>
+            </a:r>
+            <a:r>
+              <a:rPr lang="en-US" dirty="0"/>
+              <a:t> to find hidden patterns and market </a:t>
+            </a:r>
+            <a:r>
+              <a:rPr lang="en-US" dirty="0" smtClean="0"/>
+              <a:t>trends.</a:t>
+            </a:r>
+          </a:p>
+          <a:p>
+            <a:r>
+              <a:rPr lang="en-US" dirty="0"/>
+              <a:t>The model is integrated with a </a:t>
+            </a:r>
+            <a:r>
+              <a:rPr lang="en-US" b="1" dirty="0"/>
+              <a:t>Flask web application</a:t>
+            </a:r>
+            <a:r>
+              <a:rPr lang="en-US" dirty="0"/>
+              <a:t> for easy user interaction and real-time predictions</a:t>
             </a:r>
             <a:r>
               <a:rPr lang="en-US" dirty="0" smtClean="0"/>
@@ -3346,15 +3357,33 @@
           <a:p>
             <a:r>
               <a:rPr lang="en-US" dirty="0"/>
-              <a:t>This preprocessing ensured that the input data was clean, </a:t>
-            </a:r>
-            <a:r>
-              <a:rPr lang="en-US" dirty="0" smtClean="0"/>
-              <a:t>consistent, </a:t>
-            </a:r>
-            <a:r>
-              <a:rPr lang="en-US" dirty="0"/>
-              <a:t>and suitable for effective flood prediction</a:t>
+              <a:t>It provides </a:t>
+            </a:r>
+            <a:r>
+              <a:rPr lang="en-US" b="1" dirty="0"/>
+              <a:t>automated, fast, and data-driven results</a:t>
+            </a:r>
+            <a:r>
+              <a:rPr lang="en-US" dirty="0"/>
+              <a:t>, reducing human error</a:t>
+            </a:r>
+            <a:r>
+              <a:rPr lang="en-US" dirty="0" smtClean="0"/>
+              <a:t>.</a:t>
+            </a:r>
+          </a:p>
+          <a:p>
+            <a:r>
+              <a:rPr lang="en-US" dirty="0"/>
+              <a:t>The system helps </a:t>
+            </a:r>
+            <a:r>
+              <a:rPr lang="en-US" b="1" dirty="0"/>
+              <a:t>investors make smarter and informed decisions</a:t>
+            </a:r>
+            <a:r>
+              <a:rPr lang="en-US" dirty="0"/>
+              <a:t> based on analytical insights.</a:t>
             </a:r>
           </a:p>
         </p:txBody>
@@ -3362,7 +3391,7 @@
     </p:spTree>
     <p:extLst>
       <p:ext uri="{BB962C8B-B14F-4D97-AF65-F5344CB8AC3E}">
-        <p14:creationId xmlns:p14="http://schemas.microsoft.com/office/powerpoint/2010/main" val="1535146563"/>
+        <p14:creationId xmlns:p14="http://schemas.microsoft.com/office/powerpoint/2010/main" val="1697421298"/>
       </p:ext>
     </p:extLst>
   </p:cSld>
@@ -3421,7 +3450,7 @@
           <a:p>
             <a:r>
               <a:rPr lang="en-US" dirty="0" smtClean="0"/>
-              <a:t>Methodology: Model Training</a:t>
+              <a:t>Salient Features</a:t>
             </a:r>
             <a:endParaRPr lang="en-US" dirty="0"/>
           </a:p>
@@ -3443,8 +3472,12 @@
           <a:lstStyle/>
           <a:p>
             <a:r>
-              <a:rPr lang="en-US" dirty="0"/>
-              <a:t>Now that the data is cleaned, it’s time to build the model</a:t>
+              <a:rPr lang="en-US" b="1" dirty="0"/>
+              <a:t>User-friendly Interface</a:t>
+            </a:r>
+            <a:r>
+              <a:rPr lang="en-US" dirty="0"/>
+              <a:t> – Simple Flask web app for easy data upload and result viewing</a:t>
             </a:r>
             <a:r>
               <a:rPr lang="en-US" dirty="0" smtClean="0"/>
@@ -3453,46 +3486,12 @@
           </a:p>
           <a:p>
             <a:r>
-              <a:rPr lang="en-US" dirty="0"/>
-              <a:t>We can train our data on different </a:t>
-            </a:r>
-            <a:r>
-              <a:rPr lang="en-US" dirty="0" smtClean="0"/>
-              <a:t>algorithms</a:t>
-            </a:r>
-          </a:p>
-          <a:p>
-            <a:r>
-              <a:rPr lang="en-US" dirty="0"/>
-              <a:t> </a:t>
-            </a:r>
-            <a:r>
-              <a:rPr lang="en-US" dirty="0" smtClean="0"/>
-              <a:t>In our </a:t>
-            </a:r>
-            <a:r>
-              <a:rPr lang="en-US" dirty="0"/>
-              <a:t>project we will be </a:t>
-            </a:r>
-            <a:r>
-              <a:rPr lang="en-US" dirty="0" smtClean="0"/>
-              <a:t>used Random Forest Regression</a:t>
-            </a:r>
-            <a:r>
-              <a:rPr lang="en-US" dirty="0"/>
-              <a:t> , Decision tree, Random forest, and </a:t>
-            </a:r>
-            <a:r>
-              <a:rPr lang="en-US" dirty="0" err="1"/>
-              <a:t>XgBoost</a:t>
-            </a:r>
-            <a:r>
-              <a:rPr lang="en-US" dirty="0"/>
-              <a:t> </a:t>
-            </a:r>
-            <a:r>
-              <a:rPr lang="en-US" dirty="0" err="1"/>
-              <a:t>algprithms</a:t>
+              <a:rPr lang="en-US" b="1" dirty="0"/>
+              <a:t>Real-time Prediction</a:t>
+            </a:r>
+            <a:r>
+              <a:rPr lang="en-US" dirty="0"/>
+              <a:t> – Instantly generates stock price forecasts after data input</a:t>
             </a:r>
             <a:r>
               <a:rPr lang="en-US" dirty="0" smtClean="0"/>
@@ -3501,47 +3500,48 @@
           </a:p>
           <a:p>
             <a:r>
-              <a:rPr lang="en-US" dirty="0" smtClean="0"/>
-              <a:t>After comparing all this models Random Forest Regression gives best accuracy </a:t>
-            </a:r>
-            <a:r>
-              <a:rPr lang="en-US" dirty="0" err="1" smtClean="0"/>
-              <a:t>results,so</a:t>
-            </a:r>
-            <a:r>
-              <a:rPr lang="en-US" dirty="0" smtClean="0"/>
-              <a:t> we </a:t>
-            </a:r>
-            <a:r>
-              <a:rPr lang="en-US" dirty="0" err="1" smtClean="0"/>
-              <a:t>finalise</a:t>
-            </a:r>
-            <a:r>
-              <a:rPr lang="en-US" dirty="0" smtClean="0"/>
-              <a:t> this model and we use this model in our project.</a:t>
-            </a:r>
-          </a:p>
-          <a:p>
-            <a:r>
-              <a:rPr lang="en-US" dirty="0"/>
-              <a:t>So, we are saving the model by </a:t>
-            </a:r>
-            <a:r>
-              <a:rPr lang="en-US" dirty="0" err="1" smtClean="0"/>
-              <a:t>model.pkl</a:t>
-            </a:r>
-            <a:r>
-              <a:rPr lang="en-US" dirty="0" smtClean="0"/>
-              <a:t> file using pickle </a:t>
-            </a:r>
-            <a:endParaRPr lang="en-US" dirty="0"/>
+              <a:rPr lang="en-US" b="1" dirty="0"/>
+              <a:t>High Accuracy</a:t>
+            </a:r>
+            <a:r>
+              <a:rPr lang="en-US" dirty="0"/>
+              <a:t> – Uses advanced ML algorithms like Random Forest for precise predictions</a:t>
+            </a:r>
+            <a:r>
+              <a:rPr lang="en-US" dirty="0" smtClean="0"/>
+              <a:t>.</a:t>
+            </a:r>
+          </a:p>
+          <a:p>
+            <a:r>
+              <a:rPr lang="en-US" b="1" dirty="0"/>
+              <a:t>Data Visualization</a:t>
+            </a:r>
+            <a:r>
+              <a:rPr lang="en-US" dirty="0"/>
+              <a:t> – Displays graphs and predicted price trends for better understanding</a:t>
+            </a:r>
+            <a:r>
+              <a:rPr lang="en-US" dirty="0" smtClean="0"/>
+              <a:t>.</a:t>
+            </a:r>
+          </a:p>
+          <a:p>
+            <a:r>
+              <a:rPr lang="en-US" b="1" dirty="0"/>
+              <a:t>Scalable and Secure</a:t>
+            </a:r>
+            <a:r>
+              <a:rPr lang="en-US" dirty="0"/>
+              <a:t> – Can handle large datasets and be integrated with cloud platforms like AWS for reliability.</a:t>
+            </a:r>
           </a:p>
         </p:txBody>
       </p:sp>
     </p:spTree>
     <p:extLst>
       <p:ext uri="{BB962C8B-B14F-4D97-AF65-F5344CB8AC3E}">
-        <p14:creationId xmlns:p14="http://schemas.microsoft.com/office/powerpoint/2010/main" val="2455624061"/>
+        <p14:creationId xmlns:p14="http://schemas.microsoft.com/office/powerpoint/2010/main" val="4268841432"/>
       </p:ext>
     </p:extLst>
   </p:cSld>
@@ -3593,123 +3593,74 @@
             <p:ph type="title"/>
           </p:nvPr>
         </p:nvSpPr>
-        <p:spPr/>
-        <p:txBody>
-          <a:bodyPr/>
-          <a:lstStyle/>
-          <a:p>
-            <a:r>
-              <a:rPr lang="en-US" dirty="0" smtClean="0"/>
-              <a:t>Methodology: Application Building</a:t>
+        <p:spPr>
+          <a:xfrm>
+            <a:off x="628650" y="365127"/>
+            <a:ext cx="7886700" cy="950490"/>
+          </a:xfrm>
+        </p:spPr>
+        <p:txBody>
+          <a:bodyPr/>
+          <a:lstStyle/>
+          <a:p>
+            <a:r>
+              <a:rPr lang="en-US" dirty="0" smtClean="0"/>
+              <a:t>Work Flow</a:t>
             </a:r>
             <a:endParaRPr lang="en-US" dirty="0"/>
           </a:p>
         </p:txBody>
       </p:sp>
-      <p:sp>
-        <p:nvSpPr>
-          <p:cNvPr id="3" name="Content Placeholder 2"/>
-          <p:cNvSpPr>
-            <a:spLocks noGrp="1"/>
-          </p:cNvSpPr>
+      <p:pic>
+        <p:nvPicPr>
+          <p:cNvPr id="7" name="Content Placeholder 6" descr="Flow chart for machine learning workflow. | Download Scientific Diagram">
+            <a:extLst>
+              <a:ext uri="{FF2B5EF4-FFF2-40B4-BE49-F238E27FC236}">
+                <a16:creationId xmlns:a16="http://schemas.microsoft.com/office/drawing/2014/main" id="{46F3142C-B5FF-0818-34F0-A2C1D225ACD8}"/>
+              </a:ext>
+            </a:extLst>
+          </p:cNvPr>
+          <p:cNvPicPr>
+            <a:picLocks noGrp="1" noChangeAspect="1"/>
+          </p:cNvPicPr>
           <p:nvPr>
             <p:ph idx="1"/>
           </p:nvPr>
-        </p:nvSpPr>
-        <p:spPr/>
-        <p:txBody>
-          <a:bodyPr/>
-          <a:lstStyle/>
-          <a:p>
-            <a:r>
-              <a:rPr lang="en-US" dirty="0"/>
-              <a:t>W</a:t>
-            </a:r>
-            <a:r>
-              <a:rPr lang="en-US" dirty="0" smtClean="0"/>
-              <a:t>e </a:t>
-            </a:r>
-            <a:r>
-              <a:rPr lang="en-US" dirty="0"/>
-              <a:t>will be </a:t>
-            </a:r>
-            <a:r>
-              <a:rPr lang="en-US" dirty="0" smtClean="0"/>
-              <a:t>build </a:t>
-            </a:r>
-            <a:r>
-              <a:rPr lang="en-US" dirty="0"/>
-              <a:t>a web application that is integrated to the model we built</a:t>
-            </a:r>
-            <a:r>
-              <a:rPr lang="en-US" dirty="0" smtClean="0"/>
-              <a:t>.</a:t>
-            </a:r>
-          </a:p>
-          <a:p>
-            <a:r>
-              <a:rPr lang="en-US" dirty="0" smtClean="0"/>
-              <a:t>Building html pages,</a:t>
-            </a:r>
-            <a:r>
-              <a:rPr lang="en-US" dirty="0"/>
-              <a:t> server-side script</a:t>
-            </a:r>
-            <a:endParaRPr lang="en-US" dirty="0" smtClean="0"/>
-          </a:p>
-          <a:p>
-            <a:r>
-              <a:rPr lang="en-US" dirty="0" smtClean="0"/>
-              <a:t> </a:t>
-            </a:r>
-            <a:r>
-              <a:rPr lang="en-US" dirty="0"/>
-              <a:t>A UI is provided for the uses where </a:t>
-            </a:r>
-            <a:r>
-              <a:rPr lang="en-US" dirty="0" smtClean="0"/>
-              <a:t>they </a:t>
-            </a:r>
-            <a:r>
-              <a:rPr lang="en-US" dirty="0"/>
-              <a:t>has to enter the values for predictions. </a:t>
-            </a:r>
-            <a:endParaRPr lang="en-US" dirty="0" smtClean="0"/>
-          </a:p>
-          <a:p>
-            <a:r>
-              <a:rPr lang="en-US" dirty="0" smtClean="0"/>
-              <a:t>The </a:t>
-            </a:r>
-            <a:r>
-              <a:rPr lang="en-US" dirty="0"/>
-              <a:t>enter values are given to the saved model and prediction is showcased on the UI</a:t>
-            </a:r>
-            <a:r>
-              <a:rPr lang="en-US" dirty="0" smtClean="0"/>
-              <a:t>.</a:t>
-            </a:r>
-          </a:p>
-          <a:p>
-            <a:r>
-              <a:rPr lang="en-US" dirty="0"/>
-              <a:t>Flask </a:t>
-            </a:r>
-            <a:r>
-              <a:rPr lang="en-US" dirty="0" smtClean="0"/>
-              <a:t>Integration -Run →Display- Upload </a:t>
-            </a:r>
-            <a:r>
-              <a:rPr lang="en-US" dirty="0"/>
-              <a:t>CSV → Predict → Display Results.</a:t>
-            </a:r>
-          </a:p>
-        </p:txBody>
-      </p:sp>
+        </p:nvPicPr>
+        <p:blipFill rotWithShape="1">
+          <a:blip r:embed="rId3">
+            <a:extLst>
+              <a:ext uri="{28A0092B-C50C-407E-A947-70E740481C1C}">
+                <a14:useLocalDpi xmlns:a14="http://schemas.microsoft.com/office/drawing/2010/main" val="0"/>
+              </a:ext>
+            </a:extLst>
+          </a:blip>
+          <a:srcRect l="32533" t="4303" r="32933" b="1170"/>
+          <a:stretch/>
+        </p:blipFill>
+        <p:spPr bwMode="auto">
+          <a:xfrm>
+            <a:off x="1838132" y="1315616"/>
+            <a:ext cx="6232848" cy="5019869"/>
+          </a:xfrm>
+          <a:prstGeom prst="rect">
+            <a:avLst/>
+          </a:prstGeom>
+          <a:noFill/>
+          <a:ln>
+            <a:noFill/>
+          </a:ln>
+          <a:extLst>
+            <a:ext uri="{53640926-AAD7-44D8-BBD7-CCE9431645EC}">
+              <a14:shadowObscured xmlns:a14="http://schemas.microsoft.com/office/drawing/2010/main"/>
+            </a:ext>
+          </a:extLst>
+        </p:spPr>
+      </p:pic>
     </p:spTree>
     <p:extLst>
       <p:ext uri="{BB962C8B-B14F-4D97-AF65-F5344CB8AC3E}">
-        <p14:creationId xmlns:p14="http://schemas.microsoft.com/office/powerpoint/2010/main" val="3194230262"/>
+        <p14:creationId xmlns:p14="http://schemas.microsoft.com/office/powerpoint/2010/main" val="3793004232"/>
       </p:ext>
     </p:extLst>
   </p:cSld>
@@ -3763,8 +3714,8 @@
         </p:nvSpPr>
         <p:spPr>
           <a:xfrm>
-            <a:off x="606490" y="793101"/>
-            <a:ext cx="6937310" cy="1455575"/>
+            <a:off x="628650" y="485192"/>
+            <a:ext cx="7886700" cy="821094"/>
           </a:xfrm>
         </p:spPr>
         <p:txBody>
@@ -3772,9 +3723,10 @@
           <a:lstStyle/>
           <a:p>
             <a:r>
-              <a:rPr dirty="0"/>
-              <a:t>Output </a:t>
-            </a:r>
+              <a:rPr lang="en-US" dirty="0" smtClean="0"/>
+              <a:t>Software &amp; Hardware Requirements</a:t>
+            </a:r>
+            <a:endParaRPr dirty="0"/>
           </a:p>
         </p:txBody>
       </p:sp>
@@ -3790,58 +3742,105 @@
         </p:nvSpPr>
         <p:spPr>
           <a:xfrm>
-            <a:off x="709127" y="1940767"/>
-            <a:ext cx="6834673" cy="3799261"/>
+            <a:off x="628650" y="1595535"/>
+            <a:ext cx="7886700" cy="4581428"/>
           </a:xfrm>
         </p:spPr>
         <p:txBody>
-          <a:bodyPr wrap="square">
-            <a:normAutofit/>
-          </a:bodyPr>
-          <a:lstStyle/>
+          <a:bodyPr wrap="square"/>
+          <a:lstStyle/>
+          <a:p>
+            <a:pPr>
+              <a:buFont typeface="Wingdings" panose="05000000000000000000" pitchFamily="2" charset="2"/>
+              <a:buChar char="Ø"/>
+            </a:pPr>
+            <a:r>
+              <a:rPr lang="en-US" dirty="0" smtClean="0"/>
+              <a:t>Software Requirements:</a:t>
+            </a:r>
+          </a:p>
+          <a:p>
+            <a:r>
+              <a:rPr lang="en-US" dirty="0" smtClean="0"/>
+              <a:t>Server-side </a:t>
+            </a:r>
+            <a:r>
+              <a:rPr lang="en-US" dirty="0"/>
+              <a:t>Script </a:t>
+            </a:r>
+            <a:r>
+              <a:rPr lang="en-US" dirty="0" smtClean="0"/>
+              <a:t>– Python 3.11.4</a:t>
+            </a:r>
+            <a:endParaRPr dirty="0"/>
+          </a:p>
+          <a:p>
+            <a:r>
+              <a:rPr lang="en-US" dirty="0" smtClean="0"/>
+              <a:t>Operating Systems: Windows 11</a:t>
+            </a:r>
+          </a:p>
+          <a:p>
+            <a:r>
+              <a:rPr lang="en-US" dirty="0" smtClean="0"/>
+              <a:t>IDE: VS Code</a:t>
+            </a:r>
+          </a:p>
+          <a:p>
+            <a:r>
+              <a:rPr lang="en-US" dirty="0" smtClean="0"/>
+              <a:t>Libraries used: </a:t>
+            </a:r>
+            <a:r>
+              <a:rPr lang="en-US" dirty="0" err="1" smtClean="0"/>
+              <a:t>Numpy,Pandas,Matplotib,Flask</a:t>
+            </a:r>
+            <a:r>
+              <a:rPr lang="en-US" dirty="0"/>
+              <a:t> </a:t>
+            </a:r>
+            <a:r>
+              <a:rPr lang="en-US" dirty="0" smtClean="0"/>
+              <a:t>and </a:t>
+            </a:r>
+            <a:r>
+              <a:rPr lang="en-US" dirty="0" err="1" smtClean="0"/>
+              <a:t>Sklearn</a:t>
+            </a:r>
+            <a:endParaRPr lang="en-US" dirty="0" smtClean="0"/>
+          </a:p>
           <a:p>
             <a:pPr marL="0" indent="0">
               <a:buNone/>
             </a:pPr>
-            <a:endParaRPr dirty="0"/>
-          </a:p>
-          <a:p>
-            <a:r>
-              <a:rPr dirty="0"/>
-              <a:t>User uploads CSV → predictions generated instantly.</a:t>
-            </a:r>
-          </a:p>
-          <a:p>
-            <a:r>
-              <a:rPr dirty="0"/>
-              <a:t>Results displayed with a 'Predicted Price' column.</a:t>
-            </a:r>
-          </a:p>
-          <a:p>
-            <a:r>
-              <a:rPr dirty="0"/>
-              <a:t>Achieved good accuracy using Random Forest </a:t>
-            </a:r>
-            <a:r>
-              <a:rPr dirty="0" err="1"/>
-              <a:t>Regressor</a:t>
-            </a:r>
-            <a:r>
-              <a:rPr dirty="0" smtClean="0"/>
-              <a:t>.</a:t>
-            </a:r>
-            <a:endParaRPr lang="en-US" dirty="0"/>
-          </a:p>
-          <a:p>
-            <a:r>
-              <a:rPr lang="en-US" dirty="0" smtClean="0"/>
-              <a:t>Users can see predicted vs. actual stock prices side by side.</a:t>
-            </a:r>
-          </a:p>
-          <a:p>
-            <a:r>
-              <a:rPr lang="en-US" dirty="0" smtClean="0"/>
-              <a:t>Predicted prices displayed in interactive graphs and charts for easy analysis.</a:t>
+            <a:endParaRPr lang="en-US" dirty="0" smtClean="0"/>
+          </a:p>
+          <a:p>
+            <a:pPr>
+              <a:buFont typeface="Wingdings" panose="05000000000000000000" pitchFamily="2" charset="2"/>
+              <a:buChar char="Ø"/>
+            </a:pPr>
+            <a:r>
+              <a:rPr lang="en-US" dirty="0" smtClean="0"/>
+              <a:t>Hardware Requirements:</a:t>
+            </a:r>
+          </a:p>
+          <a:p>
+            <a:r>
+              <a:rPr lang="en-US" dirty="0" smtClean="0"/>
+              <a:t>Processer: 15/Intel Processor</a:t>
+            </a:r>
+          </a:p>
+          <a:p>
+            <a:r>
+              <a:rPr lang="en-US" dirty="0" smtClean="0"/>
+              <a:t>RAM: 8GB</a:t>
+            </a:r>
+          </a:p>
+          <a:p>
+            <a:r>
+              <a:rPr lang="en-US" dirty="0" smtClean="0"/>
+              <a:t>Hard Disk: 128GB</a:t>
             </a:r>
             <a:endParaRPr dirty="0"/>
           </a:p>
@@ -3904,6 +3903,834 @@
             <p:ph type="title"/>
           </p:nvPr>
         </p:nvSpPr>
+        <p:spPr>
+          <a:xfrm>
+            <a:off x="628650" y="550506"/>
+            <a:ext cx="7886700" cy="1296955"/>
+          </a:xfrm>
+        </p:spPr>
+        <p:txBody>
+          <a:bodyPr/>
+          <a:lstStyle/>
+          <a:p>
+            <a:r>
+              <a:rPr lang="en-US" dirty="0" smtClean="0"/>
+              <a:t>Module: </a:t>
+            </a:r>
+            <a:r>
+              <a:rPr lang="en-US" dirty="0" smtClean="0"/>
+              <a:t>Data Collection</a:t>
+            </a:r>
+            <a:endParaRPr lang="en-US" dirty="0"/>
+          </a:p>
+        </p:txBody>
+      </p:sp>
+      <p:sp>
+        <p:nvSpPr>
+          <p:cNvPr id="3" name="Content Placeholder 2"/>
+          <p:cNvSpPr>
+            <a:spLocks noGrp="1"/>
+          </p:cNvSpPr>
+          <p:nvPr>
+            <p:ph idx="1"/>
+          </p:nvPr>
+        </p:nvSpPr>
+        <p:spPr>
+          <a:xfrm>
+            <a:off x="628650" y="1576873"/>
+            <a:ext cx="7886700" cy="3722915"/>
+          </a:xfrm>
+        </p:spPr>
+        <p:txBody>
+          <a:bodyPr/>
+          <a:lstStyle/>
+          <a:p>
+            <a:pPr marL="0" indent="0">
+              <a:buNone/>
+            </a:pPr>
+            <a:endParaRPr lang="en-US" dirty="0" smtClean="0"/>
+          </a:p>
+          <a:p>
+            <a:r>
+              <a:rPr lang="en-US" dirty="0" smtClean="0"/>
+              <a:t>ML </a:t>
+            </a:r>
+            <a:r>
+              <a:rPr lang="en-US" dirty="0"/>
+              <a:t>depends heavily on </a:t>
+            </a:r>
+            <a:r>
+              <a:rPr lang="en-US" dirty="0" smtClean="0"/>
+              <a:t>data, </a:t>
+            </a:r>
+            <a:r>
+              <a:rPr lang="en-US" dirty="0"/>
+              <a:t>it is the most crucial aspect that makes algorithm training </a:t>
+            </a:r>
+            <a:r>
+              <a:rPr lang="en-US" dirty="0" smtClean="0"/>
+              <a:t>possible.</a:t>
+            </a:r>
+          </a:p>
+          <a:p>
+            <a:r>
+              <a:rPr lang="en-US" dirty="0"/>
+              <a:t>There are many popular open sources for collecting the data.</a:t>
+            </a:r>
+          </a:p>
+          <a:p>
+            <a:pPr marL="0" indent="0">
+              <a:buNone/>
+            </a:pPr>
+            <a:r>
+              <a:rPr lang="en-US" dirty="0"/>
+              <a:t>    E.g.: kaggle.com, UCI repository, etc</a:t>
+            </a:r>
+            <a:r>
+              <a:rPr lang="en-US" dirty="0" smtClean="0"/>
+              <a:t>.</a:t>
+            </a:r>
+          </a:p>
+          <a:p>
+            <a:r>
+              <a:rPr lang="en-US" dirty="0" smtClean="0"/>
+              <a:t>In </a:t>
+            </a:r>
+            <a:r>
+              <a:rPr lang="en-US" dirty="0"/>
+              <a:t>this project we have used </a:t>
+            </a:r>
+            <a:r>
+              <a:rPr lang="en-US" dirty="0" smtClean="0"/>
+              <a:t>mock_kaggle.csv </a:t>
+            </a:r>
+            <a:r>
+              <a:rPr lang="en-US" dirty="0"/>
+              <a:t>data. This data is downloaded from kaggle.com</a:t>
+            </a:r>
+            <a:r>
+              <a:rPr lang="en-US" dirty="0" smtClean="0"/>
+              <a:t>.</a:t>
+            </a:r>
+          </a:p>
+          <a:p>
+            <a:r>
+              <a:rPr lang="en-US" dirty="0"/>
+              <a:t>Link: </a:t>
+            </a:r>
+            <a:r>
+              <a:rPr lang="en-US" dirty="0">
+                <a:hlinkClick r:id="rId3"/>
+              </a:rPr>
+              <a:t>Demand Forecasting</a:t>
+            </a:r>
+            <a:endParaRPr lang="en-US" dirty="0"/>
+          </a:p>
+        </p:txBody>
+      </p:sp>
+    </p:spTree>
+    <p:extLst>
+      <p:ext uri="{BB962C8B-B14F-4D97-AF65-F5344CB8AC3E}">
+        <p14:creationId xmlns:p14="http://schemas.microsoft.com/office/powerpoint/2010/main" val="2793726616"/>
+      </p:ext>
+    </p:extLst>
+  </p:cSld>
+  <p:clrMapOvr>
+    <a:masterClrMapping/>
+  </p:clrMapOvr>
+</p:sld>
+</file>
+
+<file path=ppt/slides/slide15.xml><?xml version="1.0" encoding="utf-8"?>
+<p:sld xmlns:a="http://schemas.openxmlformats.org/drawingml/2006/main" xmlns:r="http://schemas.openxmlformats.org/officeDocument/2006/relationships" xmlns:p="http://schemas.openxmlformats.org/presentationml/2006/main">
+  <p:cSld>
+    <p:bg>
+      <p:bgPr>
+        <a:blipFill dpi="0" rotWithShape="1">
+          <a:blip r:embed="rId2">
+            <a:alphaModFix amt="21000"/>
+            <a:lum/>
+          </a:blip>
+          <a:srcRect/>
+          <a:stretch>
+            <a:fillRect l="-16000" r="-16000"/>
+          </a:stretch>
+        </a:blipFill>
+        <a:effectLst/>
+      </p:bgPr>
+    </p:bg>
+    <p:spTree>
+      <p:nvGrpSpPr>
+        <p:cNvPr id="1" name=""/>
+        <p:cNvGrpSpPr/>
+        <p:nvPr/>
+      </p:nvGrpSpPr>
+      <p:grpSpPr>
+        <a:xfrm>
+          <a:off x="0" y="0"/>
+          <a:ext cx="0" cy="0"/>
+          <a:chOff x="0" y="0"/>
+          <a:chExt cx="0" cy="0"/>
+        </a:xfrm>
+      </p:grpSpPr>
+      <p:sp>
+        <p:nvSpPr>
+          <p:cNvPr id="2" name="Title 1"/>
+          <p:cNvSpPr>
+            <a:spLocks noGrp="1"/>
+          </p:cNvSpPr>
+          <p:nvPr>
+            <p:ph type="title"/>
+          </p:nvPr>
+        </p:nvSpPr>
+        <p:spPr/>
+        <p:txBody>
+          <a:bodyPr/>
+          <a:lstStyle/>
+          <a:p>
+            <a:r>
+              <a:rPr lang="en-US" dirty="0" smtClean="0"/>
+              <a:t>Module: </a:t>
+            </a:r>
+            <a:r>
+              <a:rPr lang="en-US" dirty="0" smtClean="0"/>
+              <a:t>Data </a:t>
+            </a:r>
+            <a:r>
+              <a:rPr lang="en-US" dirty="0" err="1" smtClean="0"/>
+              <a:t>PreProcessing</a:t>
+            </a:r>
+            <a:endParaRPr lang="en-US" dirty="0"/>
+          </a:p>
+        </p:txBody>
+      </p:sp>
+      <p:sp>
+        <p:nvSpPr>
+          <p:cNvPr id="3" name="Content Placeholder 2"/>
+          <p:cNvSpPr>
+            <a:spLocks noGrp="1"/>
+          </p:cNvSpPr>
+          <p:nvPr>
+            <p:ph idx="1"/>
+          </p:nvPr>
+        </p:nvSpPr>
+        <p:spPr/>
+        <p:txBody>
+          <a:bodyPr/>
+          <a:lstStyle/>
+          <a:p>
+            <a:r>
+              <a:rPr lang="en-US" dirty="0"/>
+              <a:t>Before training the machine learning model, the </a:t>
+            </a:r>
+            <a:r>
+              <a:rPr lang="en-US" dirty="0" smtClean="0"/>
+              <a:t>data uses </a:t>
+            </a:r>
+            <a:r>
+              <a:rPr lang="en-US" dirty="0"/>
+              <a:t>underwent comprehensive data </a:t>
+            </a:r>
+            <a:r>
+              <a:rPr lang="en-US" dirty="0" smtClean="0"/>
+              <a:t>preprocessing </a:t>
+            </a:r>
+            <a:r>
+              <a:rPr lang="en-US" dirty="0"/>
+              <a:t>to ensure accuracy and reliability</a:t>
+            </a:r>
+            <a:r>
+              <a:rPr lang="en-US" dirty="0" smtClean="0"/>
+              <a:t>.</a:t>
+            </a:r>
+          </a:p>
+          <a:p>
+            <a:r>
+              <a:rPr lang="en-US" dirty="0"/>
+              <a:t>Missing values were handled using </a:t>
+            </a:r>
+            <a:r>
+              <a:rPr lang="en-US" dirty="0" smtClean="0"/>
+              <a:t>simple Imputer</a:t>
+            </a:r>
+            <a:r>
+              <a:rPr lang="en-US" dirty="0"/>
+              <a:t>, outliers were addressed with the capping method, and all numerical Features were scaled using Standard Scaler to standardize the data</a:t>
+            </a:r>
+            <a:r>
+              <a:rPr lang="en-US" dirty="0" smtClean="0"/>
+              <a:t>.</a:t>
+            </a:r>
+          </a:p>
+          <a:p>
+            <a:r>
+              <a:rPr lang="en-US" dirty="0"/>
+              <a:t>This preprocessing ensured that the input data was clean, </a:t>
+            </a:r>
+            <a:r>
+              <a:rPr lang="en-US" dirty="0" smtClean="0"/>
+              <a:t>consistent, </a:t>
+            </a:r>
+            <a:r>
+              <a:rPr lang="en-US" dirty="0"/>
+              <a:t>and suitable for effective flood prediction</a:t>
+            </a:r>
+          </a:p>
+        </p:txBody>
+      </p:sp>
+    </p:spTree>
+    <p:extLst>
+      <p:ext uri="{BB962C8B-B14F-4D97-AF65-F5344CB8AC3E}">
+        <p14:creationId xmlns:p14="http://schemas.microsoft.com/office/powerpoint/2010/main" val="1535146563"/>
+      </p:ext>
+    </p:extLst>
+  </p:cSld>
+  <p:clrMapOvr>
+    <a:masterClrMapping/>
+  </p:clrMapOvr>
+</p:sld>
+</file>
+
+<file path=ppt/slides/slide16.xml><?xml version="1.0" encoding="utf-8"?>
+<p:sld xmlns:a="http://schemas.openxmlformats.org/drawingml/2006/main" xmlns:r="http://schemas.openxmlformats.org/officeDocument/2006/relationships" xmlns:p="http://schemas.openxmlformats.org/presentationml/2006/main">
+  <p:cSld>
+    <p:bg>
+      <p:bgPr>
+        <a:blipFill dpi="0" rotWithShape="1">
+          <a:blip r:embed="rId2">
+            <a:alphaModFix amt="21000"/>
+            <a:lum/>
+          </a:blip>
+          <a:srcRect/>
+          <a:stretch>
+            <a:fillRect l="-16000" r="-16000"/>
+          </a:stretch>
+        </a:blipFill>
+        <a:effectLst/>
+      </p:bgPr>
+    </p:bg>
+    <p:spTree>
+      <p:nvGrpSpPr>
+        <p:cNvPr id="1" name=""/>
+        <p:cNvGrpSpPr/>
+        <p:nvPr/>
+      </p:nvGrpSpPr>
+      <p:grpSpPr>
+        <a:xfrm>
+          <a:off x="0" y="0"/>
+          <a:ext cx="0" cy="0"/>
+          <a:chOff x="0" y="0"/>
+          <a:chExt cx="0" cy="0"/>
+        </a:xfrm>
+      </p:grpSpPr>
+      <p:sp>
+        <p:nvSpPr>
+          <p:cNvPr id="2" name="Title 1"/>
+          <p:cNvSpPr>
+            <a:spLocks noGrp="1"/>
+          </p:cNvSpPr>
+          <p:nvPr>
+            <p:ph type="title"/>
+          </p:nvPr>
+        </p:nvSpPr>
+        <p:spPr/>
+        <p:txBody>
+          <a:bodyPr/>
+          <a:lstStyle/>
+          <a:p>
+            <a:r>
+              <a:rPr lang="en-US" dirty="0" smtClean="0"/>
+              <a:t>Module: </a:t>
+            </a:r>
+            <a:r>
+              <a:rPr lang="en-US" dirty="0" smtClean="0"/>
+              <a:t>Model Training</a:t>
+            </a:r>
+            <a:endParaRPr lang="en-US" dirty="0"/>
+          </a:p>
+        </p:txBody>
+      </p:sp>
+      <p:sp>
+        <p:nvSpPr>
+          <p:cNvPr id="3" name="Content Placeholder 2"/>
+          <p:cNvSpPr>
+            <a:spLocks noGrp="1"/>
+          </p:cNvSpPr>
+          <p:nvPr>
+            <p:ph idx="1"/>
+          </p:nvPr>
+        </p:nvSpPr>
+        <p:spPr/>
+        <p:txBody>
+          <a:bodyPr/>
+          <a:lstStyle/>
+          <a:p>
+            <a:r>
+              <a:rPr lang="en-US" dirty="0"/>
+              <a:t>Now that the data is cleaned, it’s time to build the model</a:t>
+            </a:r>
+            <a:r>
+              <a:rPr lang="en-US" dirty="0" smtClean="0"/>
+              <a:t>.</a:t>
+            </a:r>
+          </a:p>
+          <a:p>
+            <a:r>
+              <a:rPr lang="en-US" dirty="0"/>
+              <a:t>We can train our data on different </a:t>
+            </a:r>
+            <a:r>
+              <a:rPr lang="en-US" dirty="0" smtClean="0"/>
+              <a:t>algorithms</a:t>
+            </a:r>
+          </a:p>
+          <a:p>
+            <a:r>
+              <a:rPr lang="en-US" dirty="0"/>
+              <a:t> </a:t>
+            </a:r>
+            <a:r>
+              <a:rPr lang="en-US" dirty="0" smtClean="0"/>
+              <a:t>In our </a:t>
+            </a:r>
+            <a:r>
+              <a:rPr lang="en-US" dirty="0"/>
+              <a:t>project we will be </a:t>
+            </a:r>
+            <a:r>
+              <a:rPr lang="en-US" dirty="0" smtClean="0"/>
+              <a:t>used Random Forest Regression</a:t>
+            </a:r>
+            <a:r>
+              <a:rPr lang="en-US" dirty="0"/>
+              <a:t> , Decision tree, Random forest, and </a:t>
+            </a:r>
+            <a:r>
+              <a:rPr lang="en-US" dirty="0" err="1"/>
+              <a:t>XgBoost</a:t>
+            </a:r>
+            <a:r>
+              <a:rPr lang="en-US" dirty="0"/>
+              <a:t> </a:t>
+            </a:r>
+            <a:r>
+              <a:rPr lang="en-US" dirty="0" err="1"/>
+              <a:t>algprithms</a:t>
+            </a:r>
+            <a:r>
+              <a:rPr lang="en-US" dirty="0" smtClean="0"/>
+              <a:t>.</a:t>
+            </a:r>
+          </a:p>
+          <a:p>
+            <a:r>
+              <a:rPr lang="en-US" dirty="0" smtClean="0"/>
+              <a:t>After comparing all this models Random Forest Regression gives best accuracy </a:t>
+            </a:r>
+            <a:r>
+              <a:rPr lang="en-US" dirty="0" err="1" smtClean="0"/>
+              <a:t>results,so</a:t>
+            </a:r>
+            <a:r>
+              <a:rPr lang="en-US" dirty="0" smtClean="0"/>
+              <a:t> we </a:t>
+            </a:r>
+            <a:r>
+              <a:rPr lang="en-US" dirty="0" err="1" smtClean="0"/>
+              <a:t>finalise</a:t>
+            </a:r>
+            <a:r>
+              <a:rPr lang="en-US" dirty="0" smtClean="0"/>
+              <a:t> this model and we use this model in our project.</a:t>
+            </a:r>
+          </a:p>
+          <a:p>
+            <a:r>
+              <a:rPr lang="en-US" dirty="0"/>
+              <a:t>So, we are saving the model by </a:t>
+            </a:r>
+            <a:r>
+              <a:rPr lang="en-US" dirty="0" err="1" smtClean="0"/>
+              <a:t>model.pkl</a:t>
+            </a:r>
+            <a:r>
+              <a:rPr lang="en-US" dirty="0" smtClean="0"/>
+              <a:t> file using pickle </a:t>
+            </a:r>
+            <a:endParaRPr lang="en-US" dirty="0"/>
+          </a:p>
+        </p:txBody>
+      </p:sp>
+    </p:spTree>
+    <p:extLst>
+      <p:ext uri="{BB962C8B-B14F-4D97-AF65-F5344CB8AC3E}">
+        <p14:creationId xmlns:p14="http://schemas.microsoft.com/office/powerpoint/2010/main" val="2455624061"/>
+      </p:ext>
+    </p:extLst>
+  </p:cSld>
+  <p:clrMapOvr>
+    <a:masterClrMapping/>
+  </p:clrMapOvr>
+</p:sld>
+</file>
+
+<file path=ppt/slides/slide17.xml><?xml version="1.0" encoding="utf-8"?>
+<p:sld xmlns:a="http://schemas.openxmlformats.org/drawingml/2006/main" xmlns:r="http://schemas.openxmlformats.org/officeDocument/2006/relationships" xmlns:p="http://schemas.openxmlformats.org/presentationml/2006/main">
+  <p:cSld>
+    <p:bg>
+      <p:bgPr>
+        <a:blipFill dpi="0" rotWithShape="1">
+          <a:blip r:embed="rId2">
+            <a:alphaModFix amt="21000"/>
+            <a:lum/>
+          </a:blip>
+          <a:srcRect/>
+          <a:stretch>
+            <a:fillRect l="-16000" r="-16000"/>
+          </a:stretch>
+        </a:blipFill>
+        <a:effectLst/>
+      </p:bgPr>
+    </p:bg>
+    <p:spTree>
+      <p:nvGrpSpPr>
+        <p:cNvPr id="1" name=""/>
+        <p:cNvGrpSpPr/>
+        <p:nvPr/>
+      </p:nvGrpSpPr>
+      <p:grpSpPr>
+        <a:xfrm>
+          <a:off x="0" y="0"/>
+          <a:ext cx="0" cy="0"/>
+          <a:chOff x="0" y="0"/>
+          <a:chExt cx="0" cy="0"/>
+        </a:xfrm>
+      </p:grpSpPr>
+      <p:sp>
+        <p:nvSpPr>
+          <p:cNvPr id="2" name="Title 1"/>
+          <p:cNvSpPr>
+            <a:spLocks noGrp="1"/>
+          </p:cNvSpPr>
+          <p:nvPr>
+            <p:ph type="title"/>
+          </p:nvPr>
+        </p:nvSpPr>
+        <p:spPr/>
+        <p:txBody>
+          <a:bodyPr/>
+          <a:lstStyle/>
+          <a:p>
+            <a:r>
+              <a:rPr lang="en-US" dirty="0" smtClean="0"/>
+              <a:t>Module: </a:t>
+            </a:r>
+            <a:r>
+              <a:rPr lang="en-US" dirty="0" smtClean="0"/>
+              <a:t>Application Building</a:t>
+            </a:r>
+            <a:endParaRPr lang="en-US" dirty="0"/>
+          </a:p>
+        </p:txBody>
+      </p:sp>
+      <p:sp>
+        <p:nvSpPr>
+          <p:cNvPr id="3" name="Content Placeholder 2"/>
+          <p:cNvSpPr>
+            <a:spLocks noGrp="1"/>
+          </p:cNvSpPr>
+          <p:nvPr>
+            <p:ph idx="1"/>
+          </p:nvPr>
+        </p:nvSpPr>
+        <p:spPr/>
+        <p:txBody>
+          <a:bodyPr/>
+          <a:lstStyle/>
+          <a:p>
+            <a:r>
+              <a:rPr lang="en-US" dirty="0"/>
+              <a:t>W</a:t>
+            </a:r>
+            <a:r>
+              <a:rPr lang="en-US" dirty="0" smtClean="0"/>
+              <a:t>e </a:t>
+            </a:r>
+            <a:r>
+              <a:rPr lang="en-US" dirty="0"/>
+              <a:t>will be </a:t>
+            </a:r>
+            <a:r>
+              <a:rPr lang="en-US" dirty="0" smtClean="0"/>
+              <a:t>build </a:t>
+            </a:r>
+            <a:r>
+              <a:rPr lang="en-US" dirty="0"/>
+              <a:t>a web application that is integrated to the model we built</a:t>
+            </a:r>
+            <a:r>
+              <a:rPr lang="en-US" dirty="0" smtClean="0"/>
+              <a:t>.</a:t>
+            </a:r>
+          </a:p>
+          <a:p>
+            <a:r>
+              <a:rPr lang="en-US" dirty="0" smtClean="0"/>
+              <a:t>Building html pages,</a:t>
+            </a:r>
+            <a:r>
+              <a:rPr lang="en-US" dirty="0"/>
+              <a:t> server-side script</a:t>
+            </a:r>
+            <a:endParaRPr lang="en-US" dirty="0" smtClean="0"/>
+          </a:p>
+          <a:p>
+            <a:r>
+              <a:rPr lang="en-US" dirty="0" smtClean="0"/>
+              <a:t> </a:t>
+            </a:r>
+            <a:r>
+              <a:rPr lang="en-US" dirty="0"/>
+              <a:t>A UI is provided for the uses where </a:t>
+            </a:r>
+            <a:r>
+              <a:rPr lang="en-US" dirty="0" smtClean="0"/>
+              <a:t>they </a:t>
+            </a:r>
+            <a:r>
+              <a:rPr lang="en-US" dirty="0"/>
+              <a:t>has to enter the values for predictions. </a:t>
+            </a:r>
+            <a:endParaRPr lang="en-US" dirty="0" smtClean="0"/>
+          </a:p>
+          <a:p>
+            <a:r>
+              <a:rPr lang="en-US" dirty="0" smtClean="0"/>
+              <a:t>The </a:t>
+            </a:r>
+            <a:r>
+              <a:rPr lang="en-US" dirty="0"/>
+              <a:t>enter values are given to the saved model and prediction is showcased on the UI</a:t>
+            </a:r>
+            <a:r>
+              <a:rPr lang="en-US" dirty="0" smtClean="0"/>
+              <a:t>.</a:t>
+            </a:r>
+          </a:p>
+          <a:p>
+            <a:r>
+              <a:rPr lang="en-US" dirty="0"/>
+              <a:t>Flask </a:t>
+            </a:r>
+            <a:r>
+              <a:rPr lang="en-US" dirty="0" smtClean="0"/>
+              <a:t>Integration -Run →Display- Upload </a:t>
+            </a:r>
+            <a:r>
+              <a:rPr lang="en-US" dirty="0"/>
+              <a:t>CSV → Predict → Display Results.</a:t>
+            </a:r>
+          </a:p>
+        </p:txBody>
+      </p:sp>
+    </p:spTree>
+    <p:extLst>
+      <p:ext uri="{BB962C8B-B14F-4D97-AF65-F5344CB8AC3E}">
+        <p14:creationId xmlns:p14="http://schemas.microsoft.com/office/powerpoint/2010/main" val="3194230262"/>
+      </p:ext>
+    </p:extLst>
+  </p:cSld>
+  <p:clrMapOvr>
+    <a:masterClrMapping/>
+  </p:clrMapOvr>
+</p:sld>
+</file>
+
+<file path=ppt/slides/slide18.xml><?xml version="1.0" encoding="utf-8"?>
+<p:sld xmlns:a="http://schemas.openxmlformats.org/drawingml/2006/main" xmlns:r="http://schemas.openxmlformats.org/officeDocument/2006/relationships" xmlns:p="http://schemas.openxmlformats.org/presentationml/2006/main">
+  <p:cSld>
+    <p:bg>
+      <p:bgPr>
+        <a:blipFill dpi="0" rotWithShape="1">
+          <a:blip r:embed="rId2">
+            <a:alphaModFix amt="21000"/>
+            <a:lum/>
+          </a:blip>
+          <a:srcRect/>
+          <a:stretch>
+            <a:fillRect l="-16000" r="-16000"/>
+          </a:stretch>
+        </a:blipFill>
+        <a:effectLst/>
+      </p:bgPr>
+    </p:bg>
+    <p:spTree>
+      <p:nvGrpSpPr>
+        <p:cNvPr id="1" name=""/>
+        <p:cNvGrpSpPr/>
+        <p:nvPr/>
+      </p:nvGrpSpPr>
+      <p:grpSpPr>
+        <a:xfrm>
+          <a:off x="0" y="0"/>
+          <a:ext cx="0" cy="0"/>
+          <a:chOff x="0" y="0"/>
+          <a:chExt cx="0" cy="0"/>
+        </a:xfrm>
+      </p:grpSpPr>
+      <p:sp>
+        <p:nvSpPr>
+          <p:cNvPr id="2" name="Title 1"/>
+          <p:cNvSpPr>
+            <a:spLocks noGrp="1"/>
+          </p:cNvSpPr>
+          <p:nvPr>
+            <p:ph type="title"/>
+          </p:nvPr>
+        </p:nvSpPr>
+        <p:spPr>
+          <a:xfrm>
+            <a:off x="606490" y="793101"/>
+            <a:ext cx="6937310" cy="1455575"/>
+          </a:xfrm>
+        </p:spPr>
+        <p:txBody>
+          <a:bodyPr/>
+          <a:lstStyle/>
+          <a:p>
+            <a:r>
+              <a:rPr dirty="0"/>
+              <a:t>Output </a:t>
+            </a:r>
+          </a:p>
+        </p:txBody>
+      </p:sp>
+      <p:sp>
+        <p:nvSpPr>
+          <p:cNvPr id="3" name="Content Placeholder 2"/>
+          <p:cNvSpPr>
+            <a:spLocks noGrp="1"/>
+          </p:cNvSpPr>
+          <p:nvPr>
+            <p:ph idx="1"/>
+          </p:nvPr>
+        </p:nvSpPr>
+        <p:spPr>
+          <a:xfrm>
+            <a:off x="709127" y="1940767"/>
+            <a:ext cx="6834673" cy="3799261"/>
+          </a:xfrm>
+        </p:spPr>
+        <p:txBody>
+          <a:bodyPr wrap="square">
+            <a:normAutofit/>
+          </a:bodyPr>
+          <a:lstStyle/>
+          <a:p>
+            <a:pPr marL="0" indent="0">
+              <a:buNone/>
+            </a:pPr>
+            <a:endParaRPr dirty="0"/>
+          </a:p>
+          <a:p>
+            <a:r>
+              <a:rPr dirty="0"/>
+              <a:t>User uploads CSV → predictions generated instantly.</a:t>
+            </a:r>
+          </a:p>
+          <a:p>
+            <a:r>
+              <a:rPr dirty="0"/>
+              <a:t>Results displayed with a 'Predicted Price' column.</a:t>
+            </a:r>
+          </a:p>
+          <a:p>
+            <a:r>
+              <a:rPr dirty="0"/>
+              <a:t>Achieved good accuracy using Random Forest </a:t>
+            </a:r>
+            <a:r>
+              <a:rPr dirty="0" err="1"/>
+              <a:t>Regressor</a:t>
+            </a:r>
+            <a:r>
+              <a:rPr dirty="0" smtClean="0"/>
+              <a:t>.</a:t>
+            </a:r>
+            <a:endParaRPr lang="en-US" dirty="0"/>
+          </a:p>
+          <a:p>
+            <a:r>
+              <a:rPr lang="en-US" dirty="0" smtClean="0"/>
+              <a:t>Users can see predicted vs. actual stock prices side by side.</a:t>
+            </a:r>
+          </a:p>
+          <a:p>
+            <a:r>
+              <a:rPr lang="en-US" dirty="0" smtClean="0"/>
+              <a:t>Predicted prices displayed in interactive graphs and charts for easy analysis.</a:t>
+            </a:r>
+            <a:endParaRPr dirty="0"/>
+          </a:p>
+        </p:txBody>
+      </p:sp>
+    </p:spTree>
+  </p:cSld>
+  <p:clrMapOvr>
+    <a:masterClrMapping/>
+  </p:clrMapOvr>
+  <p:timing>
+    <p:tnLst>
+      <p:par>
+        <p:cTn id="1" dur="indefinite" restart="never" nodeType="tmRoot"/>
+      </p:par>
+    </p:tnLst>
+  </p:timing>
+</p:sld>
+</file>
+
+<file path=ppt/slides/slide19.xml><?xml version="1.0" encoding="utf-8"?>
+<p:sld xmlns:a="http://schemas.openxmlformats.org/drawingml/2006/main" xmlns:r="http://schemas.openxmlformats.org/officeDocument/2006/relationships" xmlns:p="http://schemas.openxmlformats.org/presentationml/2006/main">
+  <p:cSld>
+    <p:bg>
+      <p:bgPr>
+        <a:blipFill dpi="0" rotWithShape="1">
+          <a:blip r:embed="rId2">
+            <a:alphaModFix amt="21000"/>
+            <a:lum/>
+          </a:blip>
+          <a:srcRect/>
+          <a:stretch>
+            <a:fillRect l="-16000" r="-16000"/>
+          </a:stretch>
+        </a:blipFill>
+        <a:effectLst/>
+      </p:bgPr>
+    </p:bg>
+    <p:spTree>
+      <p:nvGrpSpPr>
+        <p:cNvPr id="1" name=""/>
+        <p:cNvGrpSpPr/>
+        <p:nvPr/>
+      </p:nvGrpSpPr>
+      <p:grpSpPr>
+        <a:xfrm>
+          <a:off x="0" y="0"/>
+          <a:ext cx="0" cy="0"/>
+          <a:chOff x="0" y="0"/>
+          <a:chExt cx="0" cy="0"/>
+        </a:xfrm>
+      </p:grpSpPr>
+      <p:sp>
+        <p:nvSpPr>
+          <p:cNvPr id="2" name="Title 1"/>
+          <p:cNvSpPr>
+            <a:spLocks noGrp="1"/>
+          </p:cNvSpPr>
+          <p:nvPr>
+            <p:ph type="title"/>
+          </p:nvPr>
+        </p:nvSpPr>
         <p:spPr/>
         <p:txBody>
           <a:bodyPr/>
@@ -3963,518 +4790,6 @@
       </p:par>
     </p:tnLst>
   </p:timing>
-</p:sld>
-</file>
-
-<file path=ppt/slides/slide15.xml><?xml version="1.0" encoding="utf-8"?>
-<p:sld xmlns:a="http://schemas.openxmlformats.org/drawingml/2006/main" xmlns:r="http://schemas.openxmlformats.org/officeDocument/2006/relationships" xmlns:p="http://schemas.openxmlformats.org/presentationml/2006/main">
-  <p:cSld>
-    <p:bg>
-      <p:bgPr>
-        <a:blipFill dpi="0" rotWithShape="1">
-          <a:blip r:embed="rId2">
-            <a:alphaModFix amt="21000"/>
-            <a:lum/>
-          </a:blip>
-          <a:srcRect/>
-          <a:stretch>
-            <a:fillRect l="-16000" r="-16000"/>
-          </a:stretch>
-        </a:blipFill>
-        <a:effectLst/>
-      </p:bgPr>
-    </p:bg>
-    <p:spTree>
-      <p:nvGrpSpPr>
-        <p:cNvPr id="1" name=""/>
-        <p:cNvGrpSpPr/>
-        <p:nvPr/>
-      </p:nvGrpSpPr>
-      <p:grpSpPr>
-        <a:xfrm>
-          <a:off x="0" y="0"/>
-          <a:ext cx="0" cy="0"/>
-          <a:chOff x="0" y="0"/>
-          <a:chExt cx="0" cy="0"/>
-        </a:xfrm>
-      </p:grpSpPr>
-      <p:sp>
-        <p:nvSpPr>
-          <p:cNvPr id="2" name="Title 1"/>
-          <p:cNvSpPr>
-            <a:spLocks noGrp="1"/>
-          </p:cNvSpPr>
-          <p:nvPr>
-            <p:ph type="title"/>
-          </p:nvPr>
-        </p:nvSpPr>
-        <p:spPr/>
-        <p:txBody>
-          <a:bodyPr/>
-          <a:lstStyle/>
-          <a:p>
-            <a:r>
-              <a:rPr lang="en-US" dirty="0" smtClean="0"/>
-              <a:t>Results</a:t>
-            </a:r>
-            <a:endParaRPr lang="en-US" dirty="0"/>
-          </a:p>
-        </p:txBody>
-      </p:sp>
-      <p:pic>
-        <p:nvPicPr>
-          <p:cNvPr id="4" name="Content Placeholder 3"/>
-          <p:cNvPicPr>
-            <a:picLocks noGrp="1" noChangeAspect="1"/>
-          </p:cNvPicPr>
-          <p:nvPr>
-            <p:ph idx="1"/>
-          </p:nvPr>
-        </p:nvPicPr>
-        <p:blipFill>
-          <a:blip r:embed="rId3">
-            <a:extLst>
-              <a:ext uri="{28A0092B-C50C-407E-A947-70E740481C1C}">
-                <a14:useLocalDpi xmlns:a14="http://schemas.microsoft.com/office/drawing/2010/main" val="0"/>
-              </a:ext>
-            </a:extLst>
-          </a:blip>
-          <a:stretch>
-            <a:fillRect/>
-          </a:stretch>
-        </p:blipFill>
-        <p:spPr>
-          <a:xfrm>
-            <a:off x="2015768" y="1825625"/>
-            <a:ext cx="5112463" cy="4351338"/>
-          </a:xfrm>
-        </p:spPr>
-      </p:pic>
-    </p:spTree>
-    <p:extLst>
-      <p:ext uri="{BB962C8B-B14F-4D97-AF65-F5344CB8AC3E}">
-        <p14:creationId xmlns:p14="http://schemas.microsoft.com/office/powerpoint/2010/main" val="1568466940"/>
-      </p:ext>
-    </p:extLst>
-  </p:cSld>
-  <p:clrMapOvr>
-    <a:masterClrMapping/>
-  </p:clrMapOvr>
-  <p:timing>
-    <p:tnLst>
-      <p:par>
-        <p:cTn id="1" dur="indefinite" restart="never" nodeType="tmRoot"/>
-      </p:par>
-    </p:tnLst>
-  </p:timing>
-</p:sld>
-</file>
-
-<file path=ppt/slides/slide16.xml><?xml version="1.0" encoding="utf-8"?>
-<p:sld xmlns:a="http://schemas.openxmlformats.org/drawingml/2006/main" xmlns:r="http://schemas.openxmlformats.org/officeDocument/2006/relationships" xmlns:p="http://schemas.openxmlformats.org/presentationml/2006/main">
-  <p:cSld>
-    <p:bg>
-      <p:bgPr>
-        <a:blipFill dpi="0" rotWithShape="1">
-          <a:blip r:embed="rId2">
-            <a:alphaModFix amt="21000"/>
-            <a:lum/>
-          </a:blip>
-          <a:srcRect/>
-          <a:stretch>
-            <a:fillRect l="-16000" r="-16000"/>
-          </a:stretch>
-        </a:blipFill>
-        <a:effectLst/>
-      </p:bgPr>
-    </p:bg>
-    <p:spTree>
-      <p:nvGrpSpPr>
-        <p:cNvPr id="1" name=""/>
-        <p:cNvGrpSpPr/>
-        <p:nvPr/>
-      </p:nvGrpSpPr>
-      <p:grpSpPr>
-        <a:xfrm>
-          <a:off x="0" y="0"/>
-          <a:ext cx="0" cy="0"/>
-          <a:chOff x="0" y="0"/>
-          <a:chExt cx="0" cy="0"/>
-        </a:xfrm>
-      </p:grpSpPr>
-      <p:sp>
-        <p:nvSpPr>
-          <p:cNvPr id="2" name="Title 1"/>
-          <p:cNvSpPr>
-            <a:spLocks noGrp="1"/>
-          </p:cNvSpPr>
-          <p:nvPr>
-            <p:ph type="title"/>
-          </p:nvPr>
-        </p:nvSpPr>
-        <p:spPr/>
-        <p:txBody>
-          <a:bodyPr/>
-          <a:lstStyle/>
-          <a:p>
-            <a:r>
-              <a:rPr lang="en-US" dirty="0" smtClean="0"/>
-              <a:t>Results</a:t>
-            </a:r>
-            <a:endParaRPr lang="en-US" dirty="0"/>
-          </a:p>
-        </p:txBody>
-      </p:sp>
-      <p:pic>
-        <p:nvPicPr>
-          <p:cNvPr id="4" name="Content Placeholder 3"/>
-          <p:cNvPicPr>
-            <a:picLocks noGrp="1" noChangeAspect="1"/>
-          </p:cNvPicPr>
-          <p:nvPr>
-            <p:ph idx="1"/>
-          </p:nvPr>
-        </p:nvPicPr>
-        <p:blipFill>
-          <a:blip r:embed="rId3">
-            <a:extLst>
-              <a:ext uri="{28A0092B-C50C-407E-A947-70E740481C1C}">
-                <a14:useLocalDpi xmlns:a14="http://schemas.microsoft.com/office/drawing/2010/main" val="0"/>
-              </a:ext>
-            </a:extLst>
-          </a:blip>
-          <a:stretch>
-            <a:fillRect/>
-          </a:stretch>
-        </p:blipFill>
-        <p:spPr>
-          <a:xfrm>
-            <a:off x="1396837" y="1861234"/>
-            <a:ext cx="6350326" cy="4280120"/>
-          </a:xfrm>
-          <a:blipFill>
-            <a:blip r:embed="rId4">
-              <a:alphaModFix amt="21000"/>
-            </a:blip>
-            <a:tile tx="0" ty="0" sx="100000" sy="100000" flip="none" algn="tl"/>
-          </a:blipFill>
-        </p:spPr>
-      </p:pic>
-    </p:spTree>
-    <p:extLst>
-      <p:ext uri="{BB962C8B-B14F-4D97-AF65-F5344CB8AC3E}">
-        <p14:creationId xmlns:p14="http://schemas.microsoft.com/office/powerpoint/2010/main" val="3162737382"/>
-      </p:ext>
-    </p:extLst>
-  </p:cSld>
-  <p:clrMapOvr>
-    <a:masterClrMapping/>
-  </p:clrMapOvr>
-  <p:timing>
-    <p:tnLst>
-      <p:par>
-        <p:cTn id="1" dur="indefinite" restart="never" nodeType="tmRoot"/>
-      </p:par>
-    </p:tnLst>
-  </p:timing>
-</p:sld>
-</file>
-
-<file path=ppt/slides/slide17.xml><?xml version="1.0" encoding="utf-8"?>
-<p:sld xmlns:a="http://schemas.openxmlformats.org/drawingml/2006/main" xmlns:r="http://schemas.openxmlformats.org/officeDocument/2006/relationships" xmlns:p="http://schemas.openxmlformats.org/presentationml/2006/main">
-  <p:cSld>
-    <p:bg>
-      <p:bgPr>
-        <a:blipFill dpi="0" rotWithShape="1">
-          <a:blip r:embed="rId2">
-            <a:alphaModFix amt="21000"/>
-            <a:lum/>
-          </a:blip>
-          <a:srcRect/>
-          <a:stretch>
-            <a:fillRect l="-16000" r="-16000"/>
-          </a:stretch>
-        </a:blipFill>
-        <a:effectLst/>
-      </p:bgPr>
-    </p:bg>
-    <p:spTree>
-      <p:nvGrpSpPr>
-        <p:cNvPr id="1" name=""/>
-        <p:cNvGrpSpPr/>
-        <p:nvPr/>
-      </p:nvGrpSpPr>
-      <p:grpSpPr>
-        <a:xfrm>
-          <a:off x="0" y="0"/>
-          <a:ext cx="0" cy="0"/>
-          <a:chOff x="0" y="0"/>
-          <a:chExt cx="0" cy="0"/>
-        </a:xfrm>
-      </p:grpSpPr>
-      <p:sp>
-        <p:nvSpPr>
-          <p:cNvPr id="2" name="Title 1"/>
-          <p:cNvSpPr>
-            <a:spLocks noGrp="1"/>
-          </p:cNvSpPr>
-          <p:nvPr>
-            <p:ph type="title"/>
-          </p:nvPr>
-        </p:nvSpPr>
-        <p:spPr/>
-        <p:txBody>
-          <a:bodyPr/>
-          <a:lstStyle/>
-          <a:p>
-            <a:r>
-              <a:rPr lang="en-US" dirty="0" smtClean="0"/>
-              <a:t>Results</a:t>
-            </a:r>
-            <a:endParaRPr lang="en-US" dirty="0"/>
-          </a:p>
-        </p:txBody>
-      </p:sp>
-      <p:pic>
-        <p:nvPicPr>
-          <p:cNvPr id="5" name="Content Placeholder 4"/>
-          <p:cNvPicPr>
-            <a:picLocks noGrp="1" noChangeAspect="1"/>
-          </p:cNvPicPr>
-          <p:nvPr>
-            <p:ph idx="1"/>
-          </p:nvPr>
-        </p:nvPicPr>
-        <p:blipFill>
-          <a:blip r:embed="rId3">
-            <a:extLst>
-              <a:ext uri="{28A0092B-C50C-407E-A947-70E740481C1C}">
-                <a14:useLocalDpi xmlns:a14="http://schemas.microsoft.com/office/drawing/2010/main" val="0"/>
-              </a:ext>
-            </a:extLst>
-          </a:blip>
-          <a:stretch>
-            <a:fillRect/>
-          </a:stretch>
-        </p:blipFill>
-        <p:spPr>
-          <a:xfrm>
-            <a:off x="628650" y="1586204"/>
-            <a:ext cx="7886700" cy="3809639"/>
-          </a:xfrm>
-        </p:spPr>
-      </p:pic>
-    </p:spTree>
-    <p:extLst>
-      <p:ext uri="{BB962C8B-B14F-4D97-AF65-F5344CB8AC3E}">
-        <p14:creationId xmlns:p14="http://schemas.microsoft.com/office/powerpoint/2010/main" val="315962451"/>
-      </p:ext>
-    </p:extLst>
-  </p:cSld>
-  <p:clrMapOvr>
-    <a:masterClrMapping/>
-  </p:clrMapOvr>
-  <p:timing>
-    <p:tnLst>
-      <p:par>
-        <p:cTn id="1" dur="indefinite" restart="never" nodeType="tmRoot"/>
-      </p:par>
-    </p:tnLst>
-  </p:timing>
-</p:sld>
-</file>
-
-<file path=ppt/slides/slide18.xml><?xml version="1.0" encoding="utf-8"?>
-<p:sld xmlns:a="http://schemas.openxmlformats.org/drawingml/2006/main" xmlns:r="http://schemas.openxmlformats.org/officeDocument/2006/relationships" xmlns:p="http://schemas.openxmlformats.org/presentationml/2006/main">
-  <p:cSld>
-    <p:bg>
-      <p:bgPr>
-        <a:blipFill dpi="0" rotWithShape="1">
-          <a:blip r:embed="rId2">
-            <a:alphaModFix amt="21000"/>
-            <a:lum/>
-          </a:blip>
-          <a:srcRect/>
-          <a:stretch>
-            <a:fillRect l="-16000" r="-16000"/>
-          </a:stretch>
-        </a:blipFill>
-        <a:effectLst/>
-      </p:bgPr>
-    </p:bg>
-    <p:spTree>
-      <p:nvGrpSpPr>
-        <p:cNvPr id="1" name=""/>
-        <p:cNvGrpSpPr/>
-        <p:nvPr/>
-      </p:nvGrpSpPr>
-      <p:grpSpPr>
-        <a:xfrm>
-          <a:off x="0" y="0"/>
-          <a:ext cx="0" cy="0"/>
-          <a:chOff x="0" y="0"/>
-          <a:chExt cx="0" cy="0"/>
-        </a:xfrm>
-      </p:grpSpPr>
-      <p:sp>
-        <p:nvSpPr>
-          <p:cNvPr id="2" name="Title 1"/>
-          <p:cNvSpPr>
-            <a:spLocks noGrp="1"/>
-          </p:cNvSpPr>
-          <p:nvPr>
-            <p:ph type="title"/>
-          </p:nvPr>
-        </p:nvSpPr>
-        <p:spPr/>
-        <p:txBody>
-          <a:bodyPr/>
-          <a:lstStyle/>
-          <a:p>
-            <a:r>
-              <a:rPr lang="en-US" dirty="0" smtClean="0"/>
-              <a:t>Results</a:t>
-            </a:r>
-            <a:endParaRPr lang="en-US" dirty="0"/>
-          </a:p>
-        </p:txBody>
-      </p:sp>
-      <p:pic>
-        <p:nvPicPr>
-          <p:cNvPr id="4" name="Content Placeholder 3"/>
-          <p:cNvPicPr>
-            <a:picLocks noGrp="1" noChangeAspect="1"/>
-          </p:cNvPicPr>
-          <p:nvPr>
-            <p:ph idx="1"/>
-          </p:nvPr>
-        </p:nvPicPr>
-        <p:blipFill>
-          <a:blip r:embed="rId3">
-            <a:extLst>
-              <a:ext uri="{28A0092B-C50C-407E-A947-70E740481C1C}">
-                <a14:useLocalDpi xmlns:a14="http://schemas.microsoft.com/office/drawing/2010/main" val="0"/>
-              </a:ext>
-            </a:extLst>
-          </a:blip>
-          <a:stretch>
-            <a:fillRect/>
-          </a:stretch>
-        </p:blipFill>
-        <p:spPr>
-          <a:xfrm>
-            <a:off x="628650" y="1690690"/>
-            <a:ext cx="7886700" cy="4152888"/>
-          </a:xfrm>
-        </p:spPr>
-      </p:pic>
-    </p:spTree>
-    <p:extLst>
-      <p:ext uri="{BB962C8B-B14F-4D97-AF65-F5344CB8AC3E}">
-        <p14:creationId xmlns:p14="http://schemas.microsoft.com/office/powerpoint/2010/main" val="1725626259"/>
-      </p:ext>
-    </p:extLst>
-  </p:cSld>
-  <p:clrMapOvr>
-    <a:masterClrMapping/>
-  </p:clrMapOvr>
-</p:sld>
-</file>
-
-<file path=ppt/slides/slide19.xml><?xml version="1.0" encoding="utf-8"?>
-<p:sld xmlns:a="http://schemas.openxmlformats.org/drawingml/2006/main" xmlns:r="http://schemas.openxmlformats.org/officeDocument/2006/relationships" xmlns:p="http://schemas.openxmlformats.org/presentationml/2006/main">
-  <p:cSld>
-    <p:bg>
-      <p:bgPr>
-        <a:blipFill dpi="0" rotWithShape="1">
-          <a:blip r:embed="rId2">
-            <a:alphaModFix amt="21000"/>
-            <a:lum/>
-          </a:blip>
-          <a:srcRect/>
-          <a:stretch>
-            <a:fillRect l="-16000" r="-16000"/>
-          </a:stretch>
-        </a:blipFill>
-        <a:effectLst/>
-      </p:bgPr>
-    </p:bg>
-    <p:spTree>
-      <p:nvGrpSpPr>
-        <p:cNvPr id="1" name=""/>
-        <p:cNvGrpSpPr/>
-        <p:nvPr/>
-      </p:nvGrpSpPr>
-      <p:grpSpPr>
-        <a:xfrm>
-          <a:off x="0" y="0"/>
-          <a:ext cx="0" cy="0"/>
-          <a:chOff x="0" y="0"/>
-          <a:chExt cx="0" cy="0"/>
-        </a:xfrm>
-      </p:grpSpPr>
-      <p:sp>
-        <p:nvSpPr>
-          <p:cNvPr id="2" name="Title 1"/>
-          <p:cNvSpPr>
-            <a:spLocks noGrp="1"/>
-          </p:cNvSpPr>
-          <p:nvPr>
-            <p:ph type="title"/>
-          </p:nvPr>
-        </p:nvSpPr>
-        <p:spPr/>
-        <p:txBody>
-          <a:bodyPr/>
-          <a:lstStyle/>
-          <a:p>
-            <a:r>
-              <a:rPr lang="en-US" dirty="0" smtClean="0"/>
-              <a:t>Results</a:t>
-            </a:r>
-            <a:endParaRPr lang="en-US" dirty="0"/>
-          </a:p>
-        </p:txBody>
-      </p:sp>
-      <p:pic>
-        <p:nvPicPr>
-          <p:cNvPr id="4" name="Content Placeholder 3"/>
-          <p:cNvPicPr>
-            <a:picLocks noGrp="1" noChangeAspect="1"/>
-          </p:cNvPicPr>
-          <p:nvPr>
-            <p:ph idx="1"/>
-          </p:nvPr>
-        </p:nvPicPr>
-        <p:blipFill>
-          <a:blip r:embed="rId3">
-            <a:extLst>
-              <a:ext uri="{28A0092B-C50C-407E-A947-70E740481C1C}">
-                <a14:useLocalDpi xmlns:a14="http://schemas.microsoft.com/office/drawing/2010/main" val="0"/>
-              </a:ext>
-            </a:extLst>
-          </a:blip>
-          <a:stretch>
-            <a:fillRect/>
-          </a:stretch>
-        </p:blipFill>
-        <p:spPr>
-          <a:xfrm>
-            <a:off x="628650" y="1690689"/>
-            <a:ext cx="7886700" cy="4355548"/>
-          </a:xfrm>
-        </p:spPr>
-      </p:pic>
-    </p:spTree>
-    <p:extLst>
-      <p:ext uri="{BB962C8B-B14F-4D97-AF65-F5344CB8AC3E}">
-        <p14:creationId xmlns:p14="http://schemas.microsoft.com/office/powerpoint/2010/main" val="3351655838"/>
-      </p:ext>
-    </p:extLst>
-  </p:cSld>
-  <p:clrMapOvr>
-    <a:masterClrMapping/>
-  </p:clrMapOvr>
 </p:sld>
 </file>
 
@@ -4639,125 +4954,54 @@
             <p:ph type="title"/>
           </p:nvPr>
         </p:nvSpPr>
+        <p:spPr/>
+        <p:txBody>
+          <a:bodyPr/>
+          <a:lstStyle/>
+          <a:p>
+            <a:r>
+              <a:rPr lang="en-US" dirty="0" smtClean="0"/>
+              <a:t>Results</a:t>
+            </a:r>
+            <a:endParaRPr lang="en-US" dirty="0"/>
+          </a:p>
+        </p:txBody>
+      </p:sp>
+      <p:pic>
+        <p:nvPicPr>
+          <p:cNvPr id="4" name="Content Placeholder 3"/>
+          <p:cNvPicPr>
+            <a:picLocks noGrp="1" noChangeAspect="1"/>
+          </p:cNvPicPr>
+          <p:nvPr>
+            <p:ph idx="1"/>
+          </p:nvPr>
+        </p:nvPicPr>
+        <p:blipFill>
+          <a:blip r:embed="rId3">
+            <a:extLst>
+              <a:ext uri="{28A0092B-C50C-407E-A947-70E740481C1C}">
+                <a14:useLocalDpi xmlns:a14="http://schemas.microsoft.com/office/drawing/2010/main" val="0"/>
+              </a:ext>
+            </a:extLst>
+          </a:blip>
+          <a:stretch>
+            <a:fillRect/>
+          </a:stretch>
+        </p:blipFill>
         <p:spPr>
           <a:xfrm>
-            <a:off x="628650" y="709127"/>
-            <a:ext cx="7886700" cy="1324946"/>
+            <a:off x="2015768" y="1825625"/>
+            <a:ext cx="5112463" cy="4351338"/>
           </a:xfrm>
         </p:spPr>
-        <p:txBody>
-          <a:bodyPr/>
-          <a:lstStyle/>
-          <a:p>
-            <a:r>
-              <a:rPr dirty="0" smtClean="0"/>
-              <a:t>Conclusion</a:t>
-            </a:r>
-            <a:endParaRPr dirty="0"/>
-          </a:p>
-        </p:txBody>
-      </p:sp>
-      <p:sp>
-        <p:nvSpPr>
-          <p:cNvPr id="3" name="Content Placeholder 2"/>
-          <p:cNvSpPr>
-            <a:spLocks noGrp="1"/>
-          </p:cNvSpPr>
-          <p:nvPr>
-            <p:ph idx="1"/>
-          </p:nvPr>
-        </p:nvSpPr>
-        <p:spPr/>
-        <p:txBody>
-          <a:bodyPr wrap="square"/>
-          <a:lstStyle/>
-          <a:p>
-            <a:endParaRPr dirty="0"/>
-          </a:p>
-          <a:p>
-            <a:r>
-              <a:rPr lang="en-US" dirty="0"/>
-              <a:t>We developed a stock price prediction model using </a:t>
-            </a:r>
-            <a:r>
-              <a:rPr lang="en-US" b="1" dirty="0" smtClean="0"/>
-              <a:t>Machine learning Algorithms </a:t>
-            </a:r>
-            <a:r>
-              <a:rPr lang="en-US" dirty="0" smtClean="0"/>
-              <a:t>like </a:t>
-            </a:r>
-            <a:r>
-              <a:rPr lang="en-US" dirty="0"/>
-              <a:t>Random Forest </a:t>
-            </a:r>
-            <a:r>
-              <a:rPr lang="en-US" dirty="0" smtClean="0"/>
-              <a:t>Regression </a:t>
-            </a:r>
-            <a:r>
-              <a:rPr lang="en-US" dirty="0"/>
-              <a:t>to analyze and forecast stock trends</a:t>
-            </a:r>
-            <a:r>
-              <a:rPr lang="en-US" dirty="0" smtClean="0"/>
-              <a:t>.</a:t>
-            </a:r>
-          </a:p>
-          <a:p>
-            <a:r>
-              <a:rPr lang="en-US" dirty="0"/>
-              <a:t>The system helps investors make </a:t>
-            </a:r>
-            <a:r>
-              <a:rPr lang="en-US" b="1" dirty="0"/>
-              <a:t>data-driven decisions</a:t>
-            </a:r>
-            <a:r>
-              <a:rPr lang="en-US" dirty="0"/>
-              <a:t> instead of relying on </a:t>
-            </a:r>
-            <a:r>
-              <a:rPr lang="en-US" dirty="0" smtClean="0"/>
-              <a:t>assumptions.</a:t>
-            </a:r>
-          </a:p>
-          <a:p>
-            <a:r>
-              <a:rPr lang="en-US" dirty="0"/>
-              <a:t>Our model processes </a:t>
-            </a:r>
-            <a:r>
-              <a:rPr lang="en-US" b="1" dirty="0"/>
-              <a:t>historical stock data</a:t>
-            </a:r>
-            <a:r>
-              <a:rPr lang="en-US" dirty="0"/>
-              <a:t> to identify patterns and predict future price movements</a:t>
-            </a:r>
-            <a:r>
-              <a:rPr lang="en-US" dirty="0" smtClean="0"/>
-              <a:t>.</a:t>
-            </a:r>
-          </a:p>
-          <a:p>
-            <a:r>
-              <a:rPr lang="en-US" dirty="0"/>
-              <a:t>A </a:t>
-            </a:r>
-            <a:r>
-              <a:rPr lang="en-US" b="1" dirty="0"/>
-              <a:t>Flask web interface</a:t>
-            </a:r>
-            <a:r>
-              <a:rPr lang="en-US" dirty="0"/>
-              <a:t> was created to make the prediction process simple, interactive, and user-friendly.</a:t>
-            </a:r>
-            <a:endParaRPr dirty="0"/>
-          </a:p>
-        </p:txBody>
-      </p:sp>
+      </p:pic>
     </p:spTree>
+    <p:extLst>
+      <p:ext uri="{BB962C8B-B14F-4D97-AF65-F5344CB8AC3E}">
+        <p14:creationId xmlns:p14="http://schemas.microsoft.com/office/powerpoint/2010/main" val="1568466940"/>
+      </p:ext>
+    </p:extLst>
   </p:cSld>
   <p:clrMapOvr>
     <a:masterClrMapping/>
@@ -4814,141 +5058,71 @@
             <p:ph type="title"/>
           </p:nvPr>
         </p:nvSpPr>
+        <p:spPr/>
+        <p:txBody>
+          <a:bodyPr/>
+          <a:lstStyle/>
+          <a:p>
+            <a:r>
+              <a:rPr lang="en-US" dirty="0" smtClean="0"/>
+              <a:t>Results</a:t>
+            </a:r>
+            <a:endParaRPr lang="en-US" dirty="0"/>
+          </a:p>
+        </p:txBody>
+      </p:sp>
+      <p:pic>
+        <p:nvPicPr>
+          <p:cNvPr id="4" name="Content Placeholder 3"/>
+          <p:cNvPicPr>
+            <a:picLocks noGrp="1" noChangeAspect="1"/>
+          </p:cNvPicPr>
+          <p:nvPr>
+            <p:ph idx="1"/>
+          </p:nvPr>
+        </p:nvPicPr>
+        <p:blipFill>
+          <a:blip r:embed="rId3">
+            <a:extLst>
+              <a:ext uri="{28A0092B-C50C-407E-A947-70E740481C1C}">
+                <a14:useLocalDpi xmlns:a14="http://schemas.microsoft.com/office/drawing/2010/main" val="0"/>
+              </a:ext>
+            </a:extLst>
+          </a:blip>
+          <a:stretch>
+            <a:fillRect/>
+          </a:stretch>
+        </p:blipFill>
         <p:spPr>
           <a:xfrm>
-            <a:off x="628650" y="559837"/>
-            <a:ext cx="7886700" cy="1130852"/>
+            <a:off x="1396837" y="1861234"/>
+            <a:ext cx="6350326" cy="4280120"/>
           </a:xfrm>
+          <a:blipFill>
+            <a:blip r:embed="rId4">
+              <a:alphaModFix amt="21000"/>
+            </a:blip>
+            <a:tile tx="0" ty="0" sx="100000" sy="100000" flip="none" algn="tl"/>
+          </a:blipFill>
         </p:spPr>
-        <p:txBody>
-          <a:bodyPr/>
-          <a:lstStyle/>
-          <a:p>
-            <a:r>
-              <a:rPr lang="en-US" dirty="0" smtClean="0"/>
-              <a:t>Future Work</a:t>
-            </a:r>
-            <a:endParaRPr lang="en-US" dirty="0"/>
-          </a:p>
-        </p:txBody>
-      </p:sp>
-      <p:sp>
-        <p:nvSpPr>
-          <p:cNvPr id="3" name="Content Placeholder 2"/>
-          <p:cNvSpPr>
-            <a:spLocks noGrp="1"/>
-          </p:cNvSpPr>
-          <p:nvPr>
-            <p:ph idx="1"/>
-          </p:nvPr>
-        </p:nvSpPr>
-        <p:spPr>
-          <a:xfrm>
-            <a:off x="628650" y="1690690"/>
-            <a:ext cx="7886700" cy="3693073"/>
-          </a:xfrm>
-        </p:spPr>
-        <p:txBody>
-          <a:bodyPr/>
-          <a:lstStyle/>
-          <a:p>
-            <a:r>
-              <a:rPr lang="en-US" dirty="0"/>
-              <a:t>Integrate </a:t>
-            </a:r>
-            <a:r>
-              <a:rPr lang="en-US" b="1" dirty="0"/>
-              <a:t>real-time stock market APIs</a:t>
-            </a:r>
-            <a:r>
-              <a:rPr lang="en-US" dirty="0"/>
-              <a:t> to fetch and analyze live data continuously</a:t>
-            </a:r>
-            <a:r>
-              <a:rPr lang="en-US" dirty="0" smtClean="0"/>
-              <a:t>.</a:t>
-            </a:r>
-          </a:p>
-          <a:p>
-            <a:r>
-              <a:rPr lang="en-US" dirty="0"/>
-              <a:t>Implement </a:t>
-            </a:r>
-            <a:r>
-              <a:rPr lang="en-US" b="1" dirty="0"/>
-              <a:t>Deep Learning models like LSTM or GRU</a:t>
-            </a:r>
-            <a:r>
-              <a:rPr lang="en-US" dirty="0"/>
-              <a:t> for more accurate time-series predictions</a:t>
-            </a:r>
-            <a:r>
-              <a:rPr lang="en-US" dirty="0" smtClean="0"/>
-              <a:t>.</a:t>
-            </a:r>
-          </a:p>
-          <a:p>
-            <a:r>
-              <a:rPr lang="en-US" dirty="0"/>
-              <a:t>Add a </a:t>
-            </a:r>
-            <a:r>
-              <a:rPr lang="en-US" b="1" dirty="0"/>
-              <a:t>visual dashboard</a:t>
-            </a:r>
-            <a:r>
-              <a:rPr lang="en-US" dirty="0"/>
-              <a:t> to display graphs, trends, and prediction comparisons dynamically</a:t>
-            </a:r>
-            <a:r>
-              <a:rPr lang="en-US" dirty="0" smtClean="0"/>
-              <a:t>.</a:t>
-            </a:r>
-          </a:p>
-          <a:p>
-            <a:r>
-              <a:rPr lang="en-US" dirty="0"/>
-              <a:t>Include </a:t>
-            </a:r>
-            <a:r>
-              <a:rPr lang="en-US" b="1" dirty="0"/>
-              <a:t>sentiment analysis</a:t>
-            </a:r>
-            <a:r>
-              <a:rPr lang="en-US" dirty="0"/>
-              <a:t> using news headlines or social media data to improve prediction reliability</a:t>
-            </a:r>
-            <a:r>
-              <a:rPr lang="en-US" dirty="0" smtClean="0"/>
-              <a:t>.</a:t>
-            </a:r>
-          </a:p>
-          <a:p>
-            <a:r>
-              <a:rPr lang="en-US" dirty="0"/>
-              <a:t>Deploy the system on </a:t>
-            </a:r>
-            <a:r>
-              <a:rPr lang="en-US" b="1" dirty="0"/>
-              <a:t>cloud platforms (like AWS or Azure)</a:t>
-            </a:r>
-            <a:r>
-              <a:rPr lang="en-US" dirty="0"/>
-              <a:t> for scalability and global access.</a:t>
-            </a:r>
-          </a:p>
-        </p:txBody>
-      </p:sp>
+      </p:pic>
     </p:spTree>
     <p:extLst>
       <p:ext uri="{BB962C8B-B14F-4D97-AF65-F5344CB8AC3E}">
-        <p14:creationId xmlns:p14="http://schemas.microsoft.com/office/powerpoint/2010/main" val="1103090037"/>
+        <p14:creationId xmlns:p14="http://schemas.microsoft.com/office/powerpoint/2010/main" val="3162737382"/>
       </p:ext>
     </p:extLst>
   </p:cSld>
   <p:clrMapOvr>
     <a:masterClrMapping/>
   </p:clrMapOvr>
+  <p:timing>
+    <p:tnLst>
+      <p:par>
+        <p:cTn id="1" dur="indefinite" restart="never" nodeType="tmRoot"/>
+      </p:par>
+    </p:tnLst>
+  </p:timing>
 </p:sld>
 </file>
 
@@ -5001,6 +5175,659 @@
           <a:p>
             <a:r>
               <a:rPr lang="en-US" dirty="0" smtClean="0"/>
+              <a:t>Results</a:t>
+            </a:r>
+            <a:endParaRPr lang="en-US" dirty="0"/>
+          </a:p>
+        </p:txBody>
+      </p:sp>
+      <p:pic>
+        <p:nvPicPr>
+          <p:cNvPr id="5" name="Content Placeholder 4"/>
+          <p:cNvPicPr>
+            <a:picLocks noGrp="1" noChangeAspect="1"/>
+          </p:cNvPicPr>
+          <p:nvPr>
+            <p:ph idx="1"/>
+          </p:nvPr>
+        </p:nvPicPr>
+        <p:blipFill>
+          <a:blip r:embed="rId3">
+            <a:extLst>
+              <a:ext uri="{28A0092B-C50C-407E-A947-70E740481C1C}">
+                <a14:useLocalDpi xmlns:a14="http://schemas.microsoft.com/office/drawing/2010/main" val="0"/>
+              </a:ext>
+            </a:extLst>
+          </a:blip>
+          <a:stretch>
+            <a:fillRect/>
+          </a:stretch>
+        </p:blipFill>
+        <p:spPr>
+          <a:xfrm>
+            <a:off x="628650" y="1586204"/>
+            <a:ext cx="7886700" cy="3809639"/>
+          </a:xfrm>
+        </p:spPr>
+      </p:pic>
+    </p:spTree>
+    <p:extLst>
+      <p:ext uri="{BB962C8B-B14F-4D97-AF65-F5344CB8AC3E}">
+        <p14:creationId xmlns:p14="http://schemas.microsoft.com/office/powerpoint/2010/main" val="315962451"/>
+      </p:ext>
+    </p:extLst>
+  </p:cSld>
+  <p:clrMapOvr>
+    <a:masterClrMapping/>
+  </p:clrMapOvr>
+  <p:timing>
+    <p:tnLst>
+      <p:par>
+        <p:cTn id="1" dur="indefinite" restart="never" nodeType="tmRoot"/>
+      </p:par>
+    </p:tnLst>
+  </p:timing>
+</p:sld>
+</file>
+
+<file path=ppt/slides/slide23.xml><?xml version="1.0" encoding="utf-8"?>
+<p:sld xmlns:a="http://schemas.openxmlformats.org/drawingml/2006/main" xmlns:r="http://schemas.openxmlformats.org/officeDocument/2006/relationships" xmlns:p="http://schemas.openxmlformats.org/presentationml/2006/main">
+  <p:cSld>
+    <p:bg>
+      <p:bgPr>
+        <a:blipFill dpi="0" rotWithShape="1">
+          <a:blip r:embed="rId2">
+            <a:alphaModFix amt="21000"/>
+            <a:lum/>
+          </a:blip>
+          <a:srcRect/>
+          <a:stretch>
+            <a:fillRect l="-16000" r="-16000"/>
+          </a:stretch>
+        </a:blipFill>
+        <a:effectLst/>
+      </p:bgPr>
+    </p:bg>
+    <p:spTree>
+      <p:nvGrpSpPr>
+        <p:cNvPr id="1" name=""/>
+        <p:cNvGrpSpPr/>
+        <p:nvPr/>
+      </p:nvGrpSpPr>
+      <p:grpSpPr>
+        <a:xfrm>
+          <a:off x="0" y="0"/>
+          <a:ext cx="0" cy="0"/>
+          <a:chOff x="0" y="0"/>
+          <a:chExt cx="0" cy="0"/>
+        </a:xfrm>
+      </p:grpSpPr>
+      <p:sp>
+        <p:nvSpPr>
+          <p:cNvPr id="2" name="Title 1"/>
+          <p:cNvSpPr>
+            <a:spLocks noGrp="1"/>
+          </p:cNvSpPr>
+          <p:nvPr>
+            <p:ph type="title"/>
+          </p:nvPr>
+        </p:nvSpPr>
+        <p:spPr/>
+        <p:txBody>
+          <a:bodyPr/>
+          <a:lstStyle/>
+          <a:p>
+            <a:r>
+              <a:rPr lang="en-US" dirty="0" smtClean="0"/>
+              <a:t>Results</a:t>
+            </a:r>
+            <a:endParaRPr lang="en-US" dirty="0"/>
+          </a:p>
+        </p:txBody>
+      </p:sp>
+      <p:pic>
+        <p:nvPicPr>
+          <p:cNvPr id="4" name="Content Placeholder 3"/>
+          <p:cNvPicPr>
+            <a:picLocks noGrp="1" noChangeAspect="1"/>
+          </p:cNvPicPr>
+          <p:nvPr>
+            <p:ph idx="1"/>
+          </p:nvPr>
+        </p:nvPicPr>
+        <p:blipFill>
+          <a:blip r:embed="rId3">
+            <a:extLst>
+              <a:ext uri="{28A0092B-C50C-407E-A947-70E740481C1C}">
+                <a14:useLocalDpi xmlns:a14="http://schemas.microsoft.com/office/drawing/2010/main" val="0"/>
+              </a:ext>
+            </a:extLst>
+          </a:blip>
+          <a:stretch>
+            <a:fillRect/>
+          </a:stretch>
+        </p:blipFill>
+        <p:spPr>
+          <a:xfrm>
+            <a:off x="628650" y="1690690"/>
+            <a:ext cx="7886700" cy="4152888"/>
+          </a:xfrm>
+        </p:spPr>
+      </p:pic>
+    </p:spTree>
+    <p:extLst>
+      <p:ext uri="{BB962C8B-B14F-4D97-AF65-F5344CB8AC3E}">
+        <p14:creationId xmlns:p14="http://schemas.microsoft.com/office/powerpoint/2010/main" val="1725626259"/>
+      </p:ext>
+    </p:extLst>
+  </p:cSld>
+  <p:clrMapOvr>
+    <a:masterClrMapping/>
+  </p:clrMapOvr>
+</p:sld>
+</file>
+
+<file path=ppt/slides/slide24.xml><?xml version="1.0" encoding="utf-8"?>
+<p:sld xmlns:a="http://schemas.openxmlformats.org/drawingml/2006/main" xmlns:r="http://schemas.openxmlformats.org/officeDocument/2006/relationships" xmlns:p="http://schemas.openxmlformats.org/presentationml/2006/main">
+  <p:cSld>
+    <p:bg>
+      <p:bgPr>
+        <a:blipFill dpi="0" rotWithShape="1">
+          <a:blip r:embed="rId2">
+            <a:alphaModFix amt="21000"/>
+            <a:lum/>
+          </a:blip>
+          <a:srcRect/>
+          <a:stretch>
+            <a:fillRect l="-16000" r="-16000"/>
+          </a:stretch>
+        </a:blipFill>
+        <a:effectLst/>
+      </p:bgPr>
+    </p:bg>
+    <p:spTree>
+      <p:nvGrpSpPr>
+        <p:cNvPr id="1" name=""/>
+        <p:cNvGrpSpPr/>
+        <p:nvPr/>
+      </p:nvGrpSpPr>
+      <p:grpSpPr>
+        <a:xfrm>
+          <a:off x="0" y="0"/>
+          <a:ext cx="0" cy="0"/>
+          <a:chOff x="0" y="0"/>
+          <a:chExt cx="0" cy="0"/>
+        </a:xfrm>
+      </p:grpSpPr>
+      <p:sp>
+        <p:nvSpPr>
+          <p:cNvPr id="2" name="Title 1"/>
+          <p:cNvSpPr>
+            <a:spLocks noGrp="1"/>
+          </p:cNvSpPr>
+          <p:nvPr>
+            <p:ph type="title"/>
+          </p:nvPr>
+        </p:nvSpPr>
+        <p:spPr/>
+        <p:txBody>
+          <a:bodyPr/>
+          <a:lstStyle/>
+          <a:p>
+            <a:r>
+              <a:rPr lang="en-US" dirty="0" smtClean="0"/>
+              <a:t>Results</a:t>
+            </a:r>
+            <a:endParaRPr lang="en-US" dirty="0"/>
+          </a:p>
+        </p:txBody>
+      </p:sp>
+      <p:pic>
+        <p:nvPicPr>
+          <p:cNvPr id="4" name="Content Placeholder 3"/>
+          <p:cNvPicPr>
+            <a:picLocks noGrp="1" noChangeAspect="1"/>
+          </p:cNvPicPr>
+          <p:nvPr>
+            <p:ph idx="1"/>
+          </p:nvPr>
+        </p:nvPicPr>
+        <p:blipFill>
+          <a:blip r:embed="rId3">
+            <a:extLst>
+              <a:ext uri="{28A0092B-C50C-407E-A947-70E740481C1C}">
+                <a14:useLocalDpi xmlns:a14="http://schemas.microsoft.com/office/drawing/2010/main" val="0"/>
+              </a:ext>
+            </a:extLst>
+          </a:blip>
+          <a:stretch>
+            <a:fillRect/>
+          </a:stretch>
+        </p:blipFill>
+        <p:spPr>
+          <a:xfrm>
+            <a:off x="628650" y="1690689"/>
+            <a:ext cx="7886700" cy="4355548"/>
+          </a:xfrm>
+        </p:spPr>
+      </p:pic>
+    </p:spTree>
+    <p:extLst>
+      <p:ext uri="{BB962C8B-B14F-4D97-AF65-F5344CB8AC3E}">
+        <p14:creationId xmlns:p14="http://schemas.microsoft.com/office/powerpoint/2010/main" val="3351655838"/>
+      </p:ext>
+    </p:extLst>
+  </p:cSld>
+  <p:clrMapOvr>
+    <a:masterClrMapping/>
+  </p:clrMapOvr>
+</p:sld>
+</file>
+
+<file path=ppt/slides/slide25.xml><?xml version="1.0" encoding="utf-8"?>
+<p:sld xmlns:a="http://schemas.openxmlformats.org/drawingml/2006/main" xmlns:r="http://schemas.openxmlformats.org/officeDocument/2006/relationships" xmlns:p="http://schemas.openxmlformats.org/presentationml/2006/main">
+  <p:cSld>
+    <p:bg>
+      <p:bgPr>
+        <a:blipFill dpi="0" rotWithShape="1">
+          <a:blip r:embed="rId2">
+            <a:alphaModFix amt="21000"/>
+            <a:lum/>
+          </a:blip>
+          <a:srcRect/>
+          <a:stretch>
+            <a:fillRect l="-16000" r="-16000"/>
+          </a:stretch>
+        </a:blipFill>
+        <a:effectLst/>
+      </p:bgPr>
+    </p:bg>
+    <p:spTree>
+      <p:nvGrpSpPr>
+        <p:cNvPr id="1" name=""/>
+        <p:cNvGrpSpPr/>
+        <p:nvPr/>
+      </p:nvGrpSpPr>
+      <p:grpSpPr>
+        <a:xfrm>
+          <a:off x="0" y="0"/>
+          <a:ext cx="0" cy="0"/>
+          <a:chOff x="0" y="0"/>
+          <a:chExt cx="0" cy="0"/>
+        </a:xfrm>
+      </p:grpSpPr>
+      <p:sp>
+        <p:nvSpPr>
+          <p:cNvPr id="2" name="Title 1"/>
+          <p:cNvSpPr>
+            <a:spLocks noGrp="1"/>
+          </p:cNvSpPr>
+          <p:nvPr>
+            <p:ph type="title"/>
+          </p:nvPr>
+        </p:nvSpPr>
+        <p:spPr>
+          <a:xfrm>
+            <a:off x="628650" y="709127"/>
+            <a:ext cx="7886700" cy="1324946"/>
+          </a:xfrm>
+        </p:spPr>
+        <p:txBody>
+          <a:bodyPr/>
+          <a:lstStyle/>
+          <a:p>
+            <a:r>
+              <a:rPr dirty="0" smtClean="0"/>
+              <a:t>Conclusion</a:t>
+            </a:r>
+            <a:endParaRPr dirty="0"/>
+          </a:p>
+        </p:txBody>
+      </p:sp>
+      <p:sp>
+        <p:nvSpPr>
+          <p:cNvPr id="3" name="Content Placeholder 2"/>
+          <p:cNvSpPr>
+            <a:spLocks noGrp="1"/>
+          </p:cNvSpPr>
+          <p:nvPr>
+            <p:ph idx="1"/>
+          </p:nvPr>
+        </p:nvSpPr>
+        <p:spPr/>
+        <p:txBody>
+          <a:bodyPr wrap="square"/>
+          <a:lstStyle/>
+          <a:p>
+            <a:endParaRPr dirty="0"/>
+          </a:p>
+          <a:p>
+            <a:r>
+              <a:rPr lang="en-US" dirty="0"/>
+              <a:t>We developed a stock price prediction model using </a:t>
+            </a:r>
+            <a:r>
+              <a:rPr lang="en-US" b="1" dirty="0" smtClean="0"/>
+              <a:t>Machine learning Algorithms </a:t>
+            </a:r>
+            <a:r>
+              <a:rPr lang="en-US" dirty="0" smtClean="0"/>
+              <a:t>like </a:t>
+            </a:r>
+            <a:r>
+              <a:rPr lang="en-US" dirty="0"/>
+              <a:t>Random Forest </a:t>
+            </a:r>
+            <a:r>
+              <a:rPr lang="en-US" dirty="0" smtClean="0"/>
+              <a:t>Regression </a:t>
+            </a:r>
+            <a:r>
+              <a:rPr lang="en-US" dirty="0"/>
+              <a:t>to analyze and forecast stock trends</a:t>
+            </a:r>
+            <a:r>
+              <a:rPr lang="en-US" dirty="0" smtClean="0"/>
+              <a:t>.</a:t>
+            </a:r>
+          </a:p>
+          <a:p>
+            <a:r>
+              <a:rPr lang="en-US" dirty="0"/>
+              <a:t>The system helps investors make </a:t>
+            </a:r>
+            <a:r>
+              <a:rPr lang="en-US" b="1" dirty="0"/>
+              <a:t>data-driven decisions</a:t>
+            </a:r>
+            <a:r>
+              <a:rPr lang="en-US" dirty="0"/>
+              <a:t> instead of relying on </a:t>
+            </a:r>
+            <a:r>
+              <a:rPr lang="en-US" dirty="0" smtClean="0"/>
+              <a:t>assumptions.</a:t>
+            </a:r>
+          </a:p>
+          <a:p>
+            <a:r>
+              <a:rPr lang="en-US" dirty="0"/>
+              <a:t>Our model processes </a:t>
+            </a:r>
+            <a:r>
+              <a:rPr lang="en-US" b="1" dirty="0"/>
+              <a:t>historical stock data</a:t>
+            </a:r>
+            <a:r>
+              <a:rPr lang="en-US" dirty="0"/>
+              <a:t> to identify patterns and predict future price movements</a:t>
+            </a:r>
+            <a:r>
+              <a:rPr lang="en-US" dirty="0" smtClean="0"/>
+              <a:t>.</a:t>
+            </a:r>
+          </a:p>
+          <a:p>
+            <a:r>
+              <a:rPr lang="en-US" dirty="0"/>
+              <a:t>A </a:t>
+            </a:r>
+            <a:r>
+              <a:rPr lang="en-US" b="1" dirty="0"/>
+              <a:t>Flask web interface</a:t>
+            </a:r>
+            <a:r>
+              <a:rPr lang="en-US" dirty="0"/>
+              <a:t> was created to make the prediction process simple, interactive, and user-friendly.</a:t>
+            </a:r>
+            <a:endParaRPr dirty="0"/>
+          </a:p>
+        </p:txBody>
+      </p:sp>
+    </p:spTree>
+  </p:cSld>
+  <p:clrMapOvr>
+    <a:masterClrMapping/>
+  </p:clrMapOvr>
+  <p:timing>
+    <p:tnLst>
+      <p:par>
+        <p:cTn id="1" dur="indefinite" restart="never" nodeType="tmRoot"/>
+      </p:par>
+    </p:tnLst>
+  </p:timing>
+</p:sld>
+</file>
+
+<file path=ppt/slides/slide26.xml><?xml version="1.0" encoding="utf-8"?>
+<p:sld xmlns:a="http://schemas.openxmlformats.org/drawingml/2006/main" xmlns:r="http://schemas.openxmlformats.org/officeDocument/2006/relationships" xmlns:p="http://schemas.openxmlformats.org/presentationml/2006/main">
+  <p:cSld>
+    <p:bg>
+      <p:bgPr>
+        <a:blipFill dpi="0" rotWithShape="1">
+          <a:blip r:embed="rId2">
+            <a:alphaModFix amt="21000"/>
+            <a:lum/>
+          </a:blip>
+          <a:srcRect/>
+          <a:stretch>
+            <a:fillRect l="-16000" r="-16000"/>
+          </a:stretch>
+        </a:blipFill>
+        <a:effectLst/>
+      </p:bgPr>
+    </p:bg>
+    <p:spTree>
+      <p:nvGrpSpPr>
+        <p:cNvPr id="1" name=""/>
+        <p:cNvGrpSpPr/>
+        <p:nvPr/>
+      </p:nvGrpSpPr>
+      <p:grpSpPr>
+        <a:xfrm>
+          <a:off x="0" y="0"/>
+          <a:ext cx="0" cy="0"/>
+          <a:chOff x="0" y="0"/>
+          <a:chExt cx="0" cy="0"/>
+        </a:xfrm>
+      </p:grpSpPr>
+      <p:sp>
+        <p:nvSpPr>
+          <p:cNvPr id="2" name="Title 1"/>
+          <p:cNvSpPr>
+            <a:spLocks noGrp="1"/>
+          </p:cNvSpPr>
+          <p:nvPr>
+            <p:ph type="title"/>
+          </p:nvPr>
+        </p:nvSpPr>
+        <p:spPr>
+          <a:xfrm>
+            <a:off x="628650" y="559837"/>
+            <a:ext cx="7886700" cy="1130852"/>
+          </a:xfrm>
+        </p:spPr>
+        <p:txBody>
+          <a:bodyPr/>
+          <a:lstStyle/>
+          <a:p>
+            <a:r>
+              <a:rPr lang="en-US" dirty="0" smtClean="0"/>
+              <a:t>Future Work</a:t>
+            </a:r>
+            <a:endParaRPr lang="en-US" dirty="0"/>
+          </a:p>
+        </p:txBody>
+      </p:sp>
+      <p:sp>
+        <p:nvSpPr>
+          <p:cNvPr id="3" name="Content Placeholder 2"/>
+          <p:cNvSpPr>
+            <a:spLocks noGrp="1"/>
+          </p:cNvSpPr>
+          <p:nvPr>
+            <p:ph idx="1"/>
+          </p:nvPr>
+        </p:nvSpPr>
+        <p:spPr>
+          <a:xfrm>
+            <a:off x="628650" y="1690690"/>
+            <a:ext cx="7886700" cy="3693073"/>
+          </a:xfrm>
+        </p:spPr>
+        <p:txBody>
+          <a:bodyPr/>
+          <a:lstStyle/>
+          <a:p>
+            <a:r>
+              <a:rPr lang="en-US" dirty="0"/>
+              <a:t>Integrate </a:t>
+            </a:r>
+            <a:r>
+              <a:rPr lang="en-US" b="1" dirty="0"/>
+              <a:t>real-time stock market APIs</a:t>
+            </a:r>
+            <a:r>
+              <a:rPr lang="en-US" dirty="0"/>
+              <a:t> to fetch and analyze live data continuously</a:t>
+            </a:r>
+            <a:r>
+              <a:rPr lang="en-US" dirty="0" smtClean="0"/>
+              <a:t>.</a:t>
+            </a:r>
+          </a:p>
+          <a:p>
+            <a:r>
+              <a:rPr lang="en-US" dirty="0"/>
+              <a:t>Implement </a:t>
+            </a:r>
+            <a:r>
+              <a:rPr lang="en-US" b="1" dirty="0"/>
+              <a:t>Deep Learning models like LSTM or GRU</a:t>
+            </a:r>
+            <a:r>
+              <a:rPr lang="en-US" dirty="0"/>
+              <a:t> for more accurate time-series predictions</a:t>
+            </a:r>
+            <a:r>
+              <a:rPr lang="en-US" dirty="0" smtClean="0"/>
+              <a:t>.</a:t>
+            </a:r>
+          </a:p>
+          <a:p>
+            <a:r>
+              <a:rPr lang="en-US" dirty="0"/>
+              <a:t>Add a </a:t>
+            </a:r>
+            <a:r>
+              <a:rPr lang="en-US" b="1" dirty="0"/>
+              <a:t>visual dashboard</a:t>
+            </a:r>
+            <a:r>
+              <a:rPr lang="en-US" dirty="0"/>
+              <a:t> to display graphs, trends, and prediction comparisons dynamically</a:t>
+            </a:r>
+            <a:r>
+              <a:rPr lang="en-US" dirty="0" smtClean="0"/>
+              <a:t>.</a:t>
+            </a:r>
+          </a:p>
+          <a:p>
+            <a:r>
+              <a:rPr lang="en-US" dirty="0"/>
+              <a:t>Include </a:t>
+            </a:r>
+            <a:r>
+              <a:rPr lang="en-US" b="1" dirty="0"/>
+              <a:t>sentiment analysis</a:t>
+            </a:r>
+            <a:r>
+              <a:rPr lang="en-US" dirty="0"/>
+              <a:t> using news headlines or social media data to improve prediction reliability</a:t>
+            </a:r>
+            <a:r>
+              <a:rPr lang="en-US" dirty="0" smtClean="0"/>
+              <a:t>.</a:t>
+            </a:r>
+          </a:p>
+          <a:p>
+            <a:r>
+              <a:rPr lang="en-US" dirty="0"/>
+              <a:t>Deploy the system on </a:t>
+            </a:r>
+            <a:r>
+              <a:rPr lang="en-US" b="1" dirty="0"/>
+              <a:t>cloud platforms (like AWS or Azure)</a:t>
+            </a:r>
+            <a:r>
+              <a:rPr lang="en-US" dirty="0"/>
+              <a:t> for scalability and global access.</a:t>
+            </a:r>
+          </a:p>
+        </p:txBody>
+      </p:sp>
+    </p:spTree>
+    <p:extLst>
+      <p:ext uri="{BB962C8B-B14F-4D97-AF65-F5344CB8AC3E}">
+        <p14:creationId xmlns:p14="http://schemas.microsoft.com/office/powerpoint/2010/main" val="1103090037"/>
+      </p:ext>
+    </p:extLst>
+  </p:cSld>
+  <p:clrMapOvr>
+    <a:masterClrMapping/>
+  </p:clrMapOvr>
+</p:sld>
+</file>
+
+<file path=ppt/slides/slide27.xml><?xml version="1.0" encoding="utf-8"?>
+<p:sld xmlns:a="http://schemas.openxmlformats.org/drawingml/2006/main" xmlns:r="http://schemas.openxmlformats.org/officeDocument/2006/relationships" xmlns:p="http://schemas.openxmlformats.org/presentationml/2006/main">
+  <p:cSld>
+    <p:bg>
+      <p:bgPr>
+        <a:blipFill dpi="0" rotWithShape="1">
+          <a:blip r:embed="rId2">
+            <a:alphaModFix amt="21000"/>
+            <a:lum/>
+          </a:blip>
+          <a:srcRect/>
+          <a:stretch>
+            <a:fillRect l="-16000" r="-16000"/>
+          </a:stretch>
+        </a:blipFill>
+        <a:effectLst/>
+      </p:bgPr>
+    </p:bg>
+    <p:spTree>
+      <p:nvGrpSpPr>
+        <p:cNvPr id="1" name=""/>
+        <p:cNvGrpSpPr/>
+        <p:nvPr/>
+      </p:nvGrpSpPr>
+      <p:grpSpPr>
+        <a:xfrm>
+          <a:off x="0" y="0"/>
+          <a:ext cx="0" cy="0"/>
+          <a:chOff x="0" y="0"/>
+          <a:chExt cx="0" cy="0"/>
+        </a:xfrm>
+      </p:grpSpPr>
+      <p:sp>
+        <p:nvSpPr>
+          <p:cNvPr id="2" name="Title 1"/>
+          <p:cNvSpPr>
+            <a:spLocks noGrp="1"/>
+          </p:cNvSpPr>
+          <p:nvPr>
+            <p:ph type="title"/>
+          </p:nvPr>
+        </p:nvSpPr>
+        <p:spPr/>
+        <p:txBody>
+          <a:bodyPr/>
+          <a:lstStyle/>
+          <a:p>
+            <a:r>
+              <a:rPr lang="en-US" dirty="0" smtClean="0"/>
               <a:t>Reference</a:t>
             </a:r>
             <a:endParaRPr lang="en-US" dirty="0"/>
@@ -5137,7 +5964,21 @@
               <a:rPr lang="en-US" i="1" dirty="0">
                 <a:hlinkClick r:id="rId6"/>
               </a:rPr>
-              <a:t>https://github.com/</a:t>
+              <a:t>https://</a:t>
+            </a:r>
+            <a:r>
+              <a:rPr lang="en-US" i="1" dirty="0" smtClean="0">
+                <a:hlinkClick r:id="rId6"/>
+              </a:rPr>
+              <a:t>github.com/</a:t>
+            </a:r>
+            <a:r>
+              <a:rPr lang="en-US" i="1" dirty="0" smtClean="0"/>
+              <a:t>swetha-01-max/Estimating-stock-prediction-</a:t>
+            </a:r>
+            <a:r>
+              <a:rPr lang="en-US" i="1" dirty="0"/>
+              <a:t>.git</a:t>
             </a:r>
             <a:endParaRPr lang="en-US" dirty="0"/>
           </a:p>
@@ -5156,7 +5997,7 @@
 </p:sld>
 </file>
 
-<file path=ppt/slides/slide23.xml><?xml version="1.0" encoding="utf-8"?>
+<file path=ppt/slides/slide28.xml><?xml version="1.0" encoding="utf-8"?>
 <p:sld xmlns:a="http://schemas.openxmlformats.org/drawingml/2006/main" xmlns:r="http://schemas.openxmlformats.org/officeDocument/2006/relationships" xmlns:p="http://schemas.openxmlformats.org/presentationml/2006/main">
   <p:cSld>
     <p:bg>
@@ -5303,8 +6144,8 @@
         </p:nvSpPr>
         <p:spPr>
           <a:xfrm>
-            <a:off x="628650" y="615820"/>
-            <a:ext cx="7886700" cy="1209805"/>
+            <a:off x="628650" y="279917"/>
+            <a:ext cx="7886700" cy="1278294"/>
           </a:xfrm>
         </p:spPr>
         <p:txBody>
@@ -5313,7 +6154,11 @@
           <a:p>
             <a:r>
               <a:rPr lang="en-US" dirty="0" smtClean="0"/>
-              <a:t>Index:</a:t>
+              <a:t>Topics</a:t>
+            </a:r>
+            <a:r>
+              <a:rPr lang="en-US" dirty="0" smtClean="0"/>
+              <a:t>:</a:t>
             </a:r>
             <a:endParaRPr lang="en-US" dirty="0"/>
           </a:p>
@@ -5329,10 +6174,40 @@
             <p:ph idx="1"/>
           </p:nvPr>
         </p:nvSpPr>
-        <p:spPr/>
-        <p:txBody>
-          <a:bodyPr/>
-          <a:lstStyle/>
+        <p:spPr>
+          <a:xfrm>
+            <a:off x="628650" y="1558211"/>
+            <a:ext cx="7886700" cy="4124131"/>
+          </a:xfrm>
+        </p:spPr>
+        <p:txBody>
+          <a:bodyPr>
+            <a:normAutofit/>
+          </a:bodyPr>
+          <a:lstStyle/>
+          <a:p>
+            <a:r>
+              <a:rPr lang="en-US" dirty="0" smtClean="0"/>
+              <a:t>Abstract</a:t>
+            </a:r>
+            <a:endParaRPr lang="en-US" dirty="0" smtClean="0"/>
+          </a:p>
+          <a:p>
+            <a:r>
+              <a:rPr lang="en-US" dirty="0" smtClean="0"/>
+              <a:t>Objectives</a:t>
+            </a:r>
+          </a:p>
+          <a:p>
+            <a:r>
+              <a:rPr lang="en-US" dirty="0" smtClean="0"/>
+              <a:t>Problem </a:t>
+            </a:r>
+            <a:r>
+              <a:rPr lang="en-US" dirty="0" smtClean="0"/>
+              <a:t>Statement</a:t>
+            </a:r>
+          </a:p>
           <a:p>
             <a:r>
               <a:rPr lang="en-US" dirty="0" smtClean="0"/>
@@ -5342,73 +6217,28 @@
           <a:p>
             <a:r>
               <a:rPr lang="en-US" dirty="0" smtClean="0"/>
-              <a:t>Objectives</a:t>
+              <a:t>Existed System</a:t>
+            </a:r>
+          </a:p>
+          <a:p>
+            <a:r>
+              <a:rPr lang="en-US" dirty="0" smtClean="0"/>
+              <a:t>Proposed System</a:t>
+            </a:r>
+          </a:p>
+          <a:p>
+            <a:r>
+              <a:rPr lang="en-US" dirty="0" smtClean="0"/>
+              <a:t>Salient Features</a:t>
             </a:r>
             <a:endParaRPr lang="en-US" dirty="0" smtClean="0"/>
           </a:p>
           <a:p>
             <a:r>
               <a:rPr lang="en-US" dirty="0" smtClean="0"/>
-              <a:t>Problem Statement</a:t>
+              <a:t>Workflow</a:t>
             </a:r>
             <a:endParaRPr lang="en-US" dirty="0" smtClean="0"/>
-          </a:p>
-          <a:p>
-            <a:r>
-              <a:rPr lang="en-US" dirty="0" smtClean="0"/>
-              <a:t>Workflow</a:t>
-            </a:r>
-          </a:p>
-          <a:p>
-            <a:r>
-              <a:rPr lang="en-US" dirty="0" smtClean="0"/>
-              <a:t>Methodology</a:t>
-            </a:r>
-            <a:endParaRPr lang="en-US" dirty="0" smtClean="0"/>
-          </a:p>
-          <a:p>
-            <a:r>
-              <a:rPr lang="en-US" dirty="0" smtClean="0"/>
-              <a:t>Tech Stack</a:t>
-            </a:r>
-          </a:p>
-          <a:p>
-            <a:r>
-              <a:rPr lang="en-US" dirty="0" smtClean="0"/>
-              <a:t>Output</a:t>
-            </a:r>
-          </a:p>
-          <a:p>
-            <a:r>
-              <a:rPr lang="en-US" dirty="0" smtClean="0"/>
-              <a:t>Results</a:t>
-            </a:r>
-            <a:endParaRPr lang="en-US" dirty="0" smtClean="0"/>
-          </a:p>
-          <a:p>
-            <a:r>
-              <a:rPr lang="en-US" dirty="0" smtClean="0"/>
-              <a:t>Conclusion</a:t>
-            </a:r>
-          </a:p>
-          <a:p>
-            <a:r>
-              <a:rPr lang="en-US" dirty="0" smtClean="0"/>
-              <a:t>Future Work</a:t>
-            </a:r>
-          </a:p>
-          <a:p>
-            <a:r>
-              <a:rPr lang="en-US" dirty="0" smtClean="0"/>
-              <a:t>Reference</a:t>
-            </a:r>
-            <a:endParaRPr lang="en-US" dirty="0" smtClean="0"/>
-          </a:p>
-          <a:p>
-            <a:pPr marL="0" indent="0">
-              <a:buNone/>
-            </a:pPr>
-            <a:endParaRPr lang="en-US" dirty="0"/>
           </a:p>
         </p:txBody>
       </p:sp>
@@ -5474,10 +6304,33 @@
             <p:ph type="title"/>
           </p:nvPr>
         </p:nvSpPr>
+        <p:spPr/>
+        <p:txBody>
+          <a:bodyPr/>
+          <a:lstStyle/>
+          <a:p>
+            <a:r>
+              <a:rPr lang="en-US" dirty="0" smtClean="0"/>
+              <a:t>Topics:</a:t>
+            </a:r>
+            <a:endParaRPr lang="en-US" dirty="0"/>
+          </a:p>
+        </p:txBody>
+      </p:sp>
+      <p:sp>
+        <p:nvSpPr>
+          <p:cNvPr id="3" name="Content Placeholder 2"/>
+          <p:cNvSpPr>
+            <a:spLocks noGrp="1"/>
+          </p:cNvSpPr>
+          <p:nvPr>
+            <p:ph idx="1"/>
+          </p:nvPr>
+        </p:nvSpPr>
         <p:spPr>
           <a:xfrm>
-            <a:off x="628650" y="662472"/>
-            <a:ext cx="7886700" cy="1502229"/>
+            <a:off x="628650" y="1853617"/>
+            <a:ext cx="7886700" cy="4351338"/>
           </a:xfrm>
         </p:spPr>
         <p:txBody>
@@ -5485,84 +6338,61 @@
           <a:lstStyle/>
           <a:p>
             <a:r>
-              <a:rPr dirty="0"/>
-              <a:t>Introduction</a:t>
-            </a:r>
-          </a:p>
-        </p:txBody>
-      </p:sp>
-      <p:sp>
-        <p:nvSpPr>
-          <p:cNvPr id="3" name="Content Placeholder 2"/>
-          <p:cNvSpPr>
-            <a:spLocks noGrp="1"/>
-          </p:cNvSpPr>
-          <p:nvPr>
-            <p:ph idx="1"/>
-          </p:nvPr>
-        </p:nvSpPr>
-        <p:spPr>
-          <a:xfrm>
-            <a:off x="628650" y="1825624"/>
-            <a:ext cx="7886700" cy="4640489"/>
-          </a:xfrm>
-        </p:spPr>
-        <p:txBody>
-          <a:bodyPr wrap="square"/>
-          <a:lstStyle/>
-          <a:p>
-            <a:endParaRPr dirty="0"/>
-          </a:p>
-          <a:p>
-            <a:r>
-              <a:rPr dirty="0"/>
-              <a:t>Purpose: To predict future stock prices using Machine Learning.</a:t>
-            </a:r>
-          </a:p>
-          <a:p>
-            <a:r>
-              <a:rPr dirty="0"/>
-              <a:t>Helps investors make better decisions.</a:t>
-            </a:r>
-          </a:p>
-          <a:p>
-            <a:r>
-              <a:rPr dirty="0"/>
-              <a:t>Integrated with Flask web app for user interaction</a:t>
-            </a:r>
-            <a:r>
-              <a:rPr dirty="0" smtClean="0"/>
-              <a:t>.</a:t>
-            </a:r>
-            <a:endParaRPr lang="en-US" dirty="0" smtClean="0"/>
-          </a:p>
-          <a:p>
-            <a:r>
-              <a:rPr lang="en-US" dirty="0" smtClean="0"/>
-              <a:t>Provides easy visualization of predicted stock trends.</a:t>
-            </a:r>
-          </a:p>
-          <a:p>
-            <a:r>
-              <a:rPr lang="en-US" dirty="0" smtClean="0"/>
-              <a:t>Enables quick CSV upload and instant prediction results for users.</a:t>
-            </a:r>
-            <a:endParaRPr dirty="0"/>
+              <a:rPr lang="en-US" dirty="0"/>
+              <a:t>Tech Stack</a:t>
+            </a:r>
+          </a:p>
+          <a:p>
+            <a:r>
+              <a:rPr lang="en-US" dirty="0"/>
+              <a:t>Module Description</a:t>
+            </a:r>
+          </a:p>
+          <a:p>
+            <a:r>
+              <a:rPr lang="en-US" dirty="0"/>
+              <a:t>Output</a:t>
+            </a:r>
+          </a:p>
+          <a:p>
+            <a:r>
+              <a:rPr lang="en-US" dirty="0"/>
+              <a:t>Results</a:t>
+            </a:r>
+          </a:p>
+          <a:p>
+            <a:r>
+              <a:rPr lang="en-US" dirty="0"/>
+              <a:t>Conclusion</a:t>
+            </a:r>
+          </a:p>
+          <a:p>
+            <a:r>
+              <a:rPr lang="en-US" dirty="0"/>
+              <a:t>Future Work</a:t>
+            </a:r>
+          </a:p>
+          <a:p>
+            <a:r>
+              <a:rPr lang="en-US" dirty="0"/>
+              <a:t>Reference</a:t>
+            </a:r>
+          </a:p>
+          <a:p>
+            <a:endParaRPr lang="en-US" dirty="0"/>
           </a:p>
         </p:txBody>
       </p:sp>
     </p:spTree>
+    <p:extLst>
+      <p:ext uri="{BB962C8B-B14F-4D97-AF65-F5344CB8AC3E}">
+        <p14:creationId xmlns:p14="http://schemas.microsoft.com/office/powerpoint/2010/main" val="1363603758"/>
+      </p:ext>
+    </p:extLst>
   </p:cSld>
   <p:clrMapOvr>
     <a:masterClrMapping/>
   </p:clrMapOvr>
-  <p:timing>
-    <p:tnLst>
-      <p:par>
-        <p:cTn id="1" dur="indefinite" restart="never" nodeType="tmRoot"/>
-      </p:par>
-    </p:tnLst>
-  </p:timing>
 </p:sld>
 </file>
 
@@ -5573,7 +6403,7 @@
       <p:bgPr>
         <a:blipFill dpi="0" rotWithShape="1">
           <a:blip r:embed="rId2">
-            <a:alphaModFix amt="21000"/>
+            <a:alphaModFix amt="22000"/>
             <a:lum/>
           </a:blip>
           <a:srcRect/>
@@ -5608,20 +6438,16 @@
             <p:ph type="title"/>
           </p:nvPr>
         </p:nvSpPr>
-        <p:spPr>
-          <a:xfrm>
-            <a:off x="628650" y="774440"/>
-            <a:ext cx="7886700" cy="1352939"/>
-          </a:xfrm>
-        </p:spPr>
-        <p:txBody>
-          <a:bodyPr/>
-          <a:lstStyle/>
-          <a:p>
-            <a:r>
-              <a:rPr dirty="0"/>
-              <a:t>Objectives</a:t>
-            </a:r>
+        <p:spPr/>
+        <p:txBody>
+          <a:bodyPr/>
+          <a:lstStyle/>
+          <a:p>
+            <a:r>
+              <a:rPr lang="en-US" dirty="0" smtClean="0"/>
+              <a:t>Abstract</a:t>
+            </a:r>
+            <a:endParaRPr lang="en-US" dirty="0"/>
           </a:p>
         </p:txBody>
       </p:sp>
@@ -5637,55 +6463,106 @@
         </p:nvSpPr>
         <p:spPr/>
         <p:txBody>
-          <a:bodyPr wrap="square"/>
-          <a:lstStyle/>
-          <a:p>
-            <a:endParaRPr dirty="0"/>
-          </a:p>
-          <a:p>
-            <a:r>
-              <a:rPr dirty="0"/>
-              <a:t>Build an ML model for stock price prediction.</a:t>
-            </a:r>
-          </a:p>
-          <a:p>
-            <a:r>
-              <a:rPr dirty="0"/>
-              <a:t>Deploy the model using Flask web framework.</a:t>
-            </a:r>
-          </a:p>
-          <a:p>
-            <a:r>
-              <a:rPr dirty="0"/>
-              <a:t>Visualize and display predicted prices in a dashboard</a:t>
-            </a:r>
-            <a:r>
-              <a:rPr dirty="0" smtClean="0"/>
+          <a:bodyPr/>
+          <a:lstStyle/>
+          <a:p>
+            <a:r>
+              <a:rPr lang="en-US" dirty="0"/>
+              <a:t>The project aims to </a:t>
+            </a:r>
+            <a:r>
+              <a:rPr lang="en-US" b="1" dirty="0"/>
+              <a:t>predict future stock prices</a:t>
+            </a:r>
+            <a:r>
+              <a:rPr lang="en-US" dirty="0"/>
+              <a:t> using Machine Learning techniques</a:t>
+            </a:r>
+            <a:r>
+              <a:rPr lang="en-US" dirty="0" smtClean="0"/>
               <a:t>.</a:t>
             </a:r>
-            <a:endParaRPr lang="en-US" dirty="0"/>
-          </a:p>
-          <a:p>
-            <a:r>
-              <a:rPr lang="en-US" dirty="0" smtClean="0"/>
-              <a:t>Interactive Charts for user-friendly visual analysis.</a:t>
-            </a:r>
-            <a:endParaRPr dirty="0"/>
+          </a:p>
+          <a:p>
+            <a:r>
+              <a:rPr lang="en-US" b="1" dirty="0"/>
+              <a:t>Historical stock data</a:t>
+            </a:r>
+            <a:r>
+              <a:rPr lang="en-US" dirty="0"/>
+              <a:t> is analyzed to identify patterns and market trends</a:t>
+            </a:r>
+            <a:r>
+              <a:rPr lang="en-US" dirty="0" smtClean="0"/>
+              <a:t>.</a:t>
+            </a:r>
+          </a:p>
+          <a:p>
+            <a:r>
+              <a:rPr lang="en-US" dirty="0"/>
+              <a:t>Algorithms like </a:t>
+            </a:r>
+            <a:r>
+              <a:rPr lang="en-US" b="1" dirty="0"/>
+              <a:t>Random Forest </a:t>
+            </a:r>
+            <a:r>
+              <a:rPr lang="en-US" b="1" dirty="0" err="1"/>
+              <a:t>Regressor</a:t>
+            </a:r>
+            <a:r>
+              <a:rPr lang="en-US" dirty="0"/>
+              <a:t> are used for accurate price estimation</a:t>
+            </a:r>
+            <a:r>
+              <a:rPr lang="en-US" dirty="0" smtClean="0"/>
+              <a:t>.</a:t>
+            </a:r>
+          </a:p>
+          <a:p>
+            <a:r>
+              <a:rPr lang="en-US" dirty="0"/>
+              <a:t>The model is </a:t>
+            </a:r>
+            <a:r>
+              <a:rPr lang="en-US" b="1" dirty="0"/>
+              <a:t>integrated with a Flask web app</a:t>
+            </a:r>
+            <a:r>
+              <a:rPr lang="en-US" dirty="0"/>
+              <a:t> for user-friendly interaction and visualization</a:t>
+            </a:r>
+            <a:r>
+              <a:rPr lang="en-US" dirty="0" smtClean="0"/>
+              <a:t>.</a:t>
+            </a:r>
+          </a:p>
+          <a:p>
+            <a:r>
+              <a:rPr lang="en-US" dirty="0"/>
+              <a:t>Helps investors make </a:t>
+            </a:r>
+            <a:r>
+              <a:rPr lang="en-US" b="1" dirty="0"/>
+              <a:t>data-driven and informed decisions</a:t>
+            </a:r>
+            <a:r>
+              <a:rPr lang="en-US" dirty="0"/>
+              <a:t> in the stock market.</a:t>
+            </a:r>
           </a:p>
         </p:txBody>
       </p:sp>
     </p:spTree>
+    <p:extLst>
+      <p:ext uri="{BB962C8B-B14F-4D97-AF65-F5344CB8AC3E}">
+        <p14:creationId xmlns:p14="http://schemas.microsoft.com/office/powerpoint/2010/main" val="3944874229"/>
+      </p:ext>
+    </p:extLst>
   </p:cSld>
   <p:clrMapOvr>
     <a:masterClrMapping/>
   </p:clrMapOvr>
-  <p:timing>
-    <p:tnLst>
-      <p:par>
-        <p:cTn id="1" dur="indefinite" restart="never" nodeType="tmRoot"/>
-      </p:par>
-    </p:tnLst>
-  </p:timing>
 </p:sld>
 </file>
 
@@ -5733,8 +6610,8 @@
         </p:nvSpPr>
         <p:spPr>
           <a:xfrm>
-            <a:off x="628650" y="662473"/>
-            <a:ext cx="7886700" cy="1362270"/>
+            <a:off x="628650" y="774440"/>
+            <a:ext cx="7886700" cy="1352939"/>
           </a:xfrm>
         </p:spPr>
         <p:txBody>
@@ -5743,7 +6620,7 @@
           <a:p>
             <a:r>
               <a:rPr dirty="0"/>
-              <a:t>Problem Statement</a:t>
+              <a:t>Objectives</a:t>
             </a:r>
           </a:p>
         </p:txBody>
@@ -5758,42 +6635,26 @@
             <p:ph idx="1"/>
           </p:nvPr>
         </p:nvSpPr>
-        <p:spPr/>
+        <p:spPr>
+          <a:xfrm>
+            <a:off x="628650" y="2230016"/>
+            <a:ext cx="7886700" cy="4021493"/>
+          </a:xfrm>
+        </p:spPr>
         <p:txBody>
           <a:bodyPr wrap="square"/>
           <a:lstStyle/>
           <a:p>
-            <a:endParaRPr dirty="0" smtClean="0"/>
-          </a:p>
-          <a:p>
-            <a:r>
-              <a:rPr lang="en-US" dirty="0" smtClean="0"/>
-              <a:t>Predicting price trends manually difficult and time-consuming </a:t>
+            <a:r>
+              <a:rPr lang="en-US" dirty="0"/>
+              <a:t>To analyze historical stock market data and identify key patterns or trends</a:t>
             </a:r>
             <a:endParaRPr dirty="0"/>
           </a:p>
           <a:p>
             <a:r>
-              <a:rPr dirty="0" smtClean="0"/>
-              <a:t>Data </a:t>
-            </a:r>
-            <a:r>
               <a:rPr dirty="0"/>
-              <a:t>trends are hard to analyze manually.</a:t>
-            </a:r>
-          </a:p>
-          <a:p>
-            <a:r>
-              <a:rPr dirty="0"/>
-              <a:t>Need </a:t>
-            </a:r>
-            <a:r>
-              <a:rPr dirty="0" smtClean="0"/>
-              <a:t>user-friendly </a:t>
-            </a:r>
-            <a:r>
-              <a:rPr dirty="0"/>
-              <a:t>prediction tool</a:t>
+              <a:t>Build an ML model for stock price prediction</a:t>
             </a:r>
             <a:r>
               <a:rPr dirty="0" smtClean="0"/>
@@ -5803,20 +6664,41 @@
           </a:p>
           <a:p>
             <a:r>
-              <a:rPr lang="en-US" dirty="0" smtClean="0"/>
-              <a:t>Manual methods may cause errors or inaccurate results.</a:t>
-            </a:r>
-          </a:p>
-          <a:p>
-            <a:r>
-              <a:rPr lang="en-US" dirty="0" smtClean="0"/>
-              <a:t>No integrated tool available for clear visualization and analysis.</a:t>
-            </a:r>
-          </a:p>
-          <a:p>
-            <a:pPr marL="0" indent="0">
-              <a:buNone/>
-            </a:pPr>
+              <a:rPr lang="en-US" dirty="0"/>
+              <a:t>To compare the performance of different ML algorithms like </a:t>
+            </a:r>
+            <a:r>
+              <a:rPr lang="en-US" b="1" dirty="0"/>
+              <a:t>Random Forest, Linear Regression, and LSTM</a:t>
+            </a:r>
+            <a:r>
+              <a:rPr lang="en-US" dirty="0"/>
+              <a:t>.</a:t>
+            </a:r>
+            <a:endParaRPr dirty="0"/>
+          </a:p>
+          <a:p>
+            <a:r>
+              <a:rPr dirty="0"/>
+              <a:t>Deploy the model using Flask web framework.</a:t>
+            </a:r>
+          </a:p>
+          <a:p>
+            <a:r>
+              <a:rPr dirty="0"/>
+              <a:t>Visualize and display predicted prices in a dashboard</a:t>
+            </a:r>
+            <a:r>
+              <a:rPr dirty="0" smtClean="0"/>
+              <a:t>.</a:t>
+            </a:r>
+            <a:endParaRPr lang="en-US" dirty="0"/>
+          </a:p>
+          <a:p>
+            <a:r>
+              <a:rPr lang="en-US" dirty="0" smtClean="0"/>
+              <a:t>Interactive Charts for user-friendly visual analysis.</a:t>
+            </a:r>
             <a:endParaRPr dirty="0"/>
           </a:p>
         </p:txBody>
@@ -5880,8 +6762,8 @@
         </p:nvSpPr>
         <p:spPr>
           <a:xfrm>
-            <a:off x="628650" y="365127"/>
-            <a:ext cx="7886700" cy="950490"/>
+            <a:off x="628650" y="662473"/>
+            <a:ext cx="7886700" cy="1362270"/>
           </a:xfrm>
         </p:spPr>
         <p:txBody>
@@ -5889,61 +6771,97 @@
           <a:lstStyle/>
           <a:p>
             <a:r>
-              <a:rPr lang="en-US" dirty="0" smtClean="0"/>
-              <a:t>Work Flow</a:t>
-            </a:r>
-            <a:endParaRPr lang="en-US" dirty="0"/>
-          </a:p>
-        </p:txBody>
-      </p:sp>
-      <p:pic>
-        <p:nvPicPr>
-          <p:cNvPr id="5" name="Content Placeholder 4"/>
-          <p:cNvPicPr>
-            <a:picLocks noGrp="1" noChangeAspect="1"/>
-          </p:cNvPicPr>
+              <a:rPr dirty="0"/>
+              <a:t>Problem Statement</a:t>
+            </a:r>
+          </a:p>
+        </p:txBody>
+      </p:sp>
+      <p:sp>
+        <p:nvSpPr>
+          <p:cNvPr id="3" name="Content Placeholder 2"/>
+          <p:cNvSpPr>
+            <a:spLocks noGrp="1"/>
+          </p:cNvSpPr>
           <p:nvPr>
             <p:ph idx="1"/>
           </p:nvPr>
-        </p:nvPicPr>
-        <p:blipFill>
-          <a:blip r:embed="rId3">
-            <a:extLst>
-              <a:ext uri="{28A0092B-C50C-407E-A947-70E740481C1C}">
-                <a14:useLocalDpi xmlns:a14="http://schemas.microsoft.com/office/drawing/2010/main" val="0"/>
-              </a:ext>
-            </a:extLst>
-          </a:blip>
-          <a:stretch>
-            <a:fillRect/>
-          </a:stretch>
-        </p:blipFill>
-        <p:spPr bwMode="auto">
-          <a:xfrm>
-            <a:off x="2724636" y="1690689"/>
-            <a:ext cx="3694728" cy="4486274"/>
-          </a:xfrm>
-          <a:prstGeom prst="rect">
-            <a:avLst/>
-          </a:prstGeom>
-          <a:blipFill>
-            <a:blip r:embed="rId4">
-              <a:alphaModFix amt="21000"/>
-            </a:blip>
-            <a:tile tx="0" ty="0" sx="100000" sy="100000" flip="none" algn="tl"/>
-          </a:blipFill>
-        </p:spPr>
-      </p:pic>
+        </p:nvSpPr>
+        <p:spPr/>
+        <p:txBody>
+          <a:bodyPr wrap="square"/>
+          <a:lstStyle/>
+          <a:p>
+            <a:endParaRPr dirty="0" smtClean="0"/>
+          </a:p>
+          <a:p>
+            <a:r>
+              <a:rPr lang="en-US" dirty="0" smtClean="0"/>
+              <a:t>Predicting price trends manually difficult and time-consuming </a:t>
+            </a:r>
+            <a:endParaRPr dirty="0"/>
+          </a:p>
+          <a:p>
+            <a:r>
+              <a:rPr dirty="0" smtClean="0"/>
+              <a:t>Data </a:t>
+            </a:r>
+            <a:r>
+              <a:rPr dirty="0"/>
+              <a:t>trends are hard to analyze manually.</a:t>
+            </a:r>
+          </a:p>
+          <a:p>
+            <a:r>
+              <a:rPr dirty="0"/>
+              <a:t>Need </a:t>
+            </a:r>
+            <a:r>
+              <a:rPr dirty="0" smtClean="0"/>
+              <a:t>user-friendly </a:t>
+            </a:r>
+            <a:r>
+              <a:rPr dirty="0"/>
+              <a:t>prediction tool</a:t>
+            </a:r>
+            <a:r>
+              <a:rPr dirty="0" smtClean="0"/>
+              <a:t>.</a:t>
+            </a:r>
+            <a:endParaRPr lang="en-US" dirty="0" smtClean="0"/>
+          </a:p>
+          <a:p>
+            <a:r>
+              <a:rPr lang="en-US" dirty="0" smtClean="0"/>
+              <a:t>Manual methods may cause errors or inaccurate results.</a:t>
+            </a:r>
+          </a:p>
+          <a:p>
+            <a:r>
+              <a:rPr lang="en-US" dirty="0" smtClean="0"/>
+              <a:t>No integrated tool available for clear visualization and analysis.</a:t>
+            </a:r>
+          </a:p>
+          <a:p>
+            <a:pPr marL="0" indent="0">
+              <a:buNone/>
+            </a:pPr>
+            <a:endParaRPr dirty="0"/>
+          </a:p>
+        </p:txBody>
+      </p:sp>
     </p:spTree>
-    <p:extLst>
-      <p:ext uri="{BB962C8B-B14F-4D97-AF65-F5344CB8AC3E}">
-        <p14:creationId xmlns:p14="http://schemas.microsoft.com/office/powerpoint/2010/main" val="3793004232"/>
-      </p:ext>
-    </p:extLst>
   </p:cSld>
   <p:clrMapOvr>
     <a:masterClrMapping/>
   </p:clrMapOvr>
+  <p:timing>
+    <p:tnLst>
+      <p:par>
+        <p:cTn id="1" dur="indefinite" restart="never" nodeType="tmRoot"/>
+      </p:par>
+    </p:tnLst>
+  </p:timing>
 </p:sld>
 </file>
 
@@ -5991,8 +6909,8 @@
         </p:nvSpPr>
         <p:spPr>
           <a:xfrm>
-            <a:off x="628650" y="765110"/>
-            <a:ext cx="7886700" cy="1306286"/>
+            <a:off x="628650" y="662472"/>
+            <a:ext cx="7886700" cy="1502229"/>
           </a:xfrm>
         </p:spPr>
         <p:txBody>
@@ -6001,7 +6919,7 @@
           <a:p>
             <a:r>
               <a:rPr dirty="0"/>
-              <a:t>Tech Stack</a:t>
+              <a:t>Introduction</a:t>
             </a:r>
           </a:p>
         </p:txBody>
@@ -6018,8 +6936,8 @@
         </p:nvSpPr>
         <p:spPr>
           <a:xfrm>
-            <a:off x="628650" y="1950097"/>
-            <a:ext cx="7886700" cy="4226865"/>
+            <a:off x="628650" y="1931437"/>
+            <a:ext cx="7886700" cy="4534676"/>
           </a:xfrm>
         </p:spPr>
         <p:txBody>
@@ -6027,68 +6945,84 @@
           <a:lstStyle/>
           <a:p>
             <a:r>
-              <a:rPr lang="en-US" dirty="0" smtClean="0"/>
-              <a:t>Server-side </a:t>
-            </a:r>
-            <a:r>
-              <a:rPr lang="en-US" dirty="0"/>
-              <a:t>Script </a:t>
-            </a:r>
-            <a:r>
-              <a:rPr lang="en-US" dirty="0" smtClean="0"/>
-              <a:t>– Python 3.11.4</a:t>
+              <a:rPr lang="en-US" dirty="0"/>
+              <a:t>The stock market plays a vital role in a country's economic growth and investment planning.</a:t>
+            </a:r>
+            <a:endParaRPr lang="en-US" dirty="0" smtClean="0"/>
+          </a:p>
+          <a:p>
+            <a:r>
+              <a:rPr lang="en-US" dirty="0" smtClean="0"/>
+              <a:t>Stock </a:t>
+            </a:r>
+            <a:r>
+              <a:rPr lang="en-US" dirty="0"/>
+              <a:t>market prediction is a complex and uncertain task due to constant market fluctuations.</a:t>
             </a:r>
             <a:endParaRPr dirty="0"/>
           </a:p>
           <a:p>
             <a:r>
+              <a:rPr lang="en-US" dirty="0" smtClean="0"/>
+              <a:t> The main p</a:t>
+            </a:r>
+            <a:r>
+              <a:rPr dirty="0" smtClean="0"/>
+              <a:t>urpose</a:t>
+            </a:r>
+            <a:r>
+              <a:rPr lang="en-US" dirty="0" smtClean="0"/>
+              <a:t> t</a:t>
+            </a:r>
+            <a:r>
+              <a:rPr dirty="0" smtClean="0"/>
+              <a:t>o </a:t>
+            </a:r>
+            <a:r>
               <a:rPr dirty="0"/>
-              <a:t>Python – Core programming.</a:t>
-            </a:r>
-          </a:p>
-          <a:p>
-            <a:r>
-              <a:rPr dirty="0"/>
-              <a:t>Pandas, </a:t>
-            </a:r>
-            <a:r>
-              <a:rPr dirty="0" err="1" smtClean="0"/>
-              <a:t>NumPy</a:t>
-            </a:r>
-            <a:r>
-              <a:rPr lang="en-US" dirty="0" err="1" smtClean="0"/>
-              <a:t>,Matplotlib</a:t>
+              <a:t>predict future stock prices using Machine Learning</a:t>
             </a:r>
             <a:r>
               <a:rPr dirty="0" smtClean="0"/>
-              <a:t> </a:t>
-            </a:r>
-            <a:r>
-              <a:rPr dirty="0"/>
-              <a:t>– Data handling.</a:t>
-            </a:r>
-          </a:p>
-          <a:p>
-            <a:r>
-              <a:rPr dirty="0" err="1"/>
-              <a:t>Scikit</a:t>
-            </a:r>
-            <a:r>
-              <a:rPr dirty="0"/>
-              <a:t>-learn – ML model training.</a:t>
-            </a:r>
-          </a:p>
-          <a:p>
-            <a:r>
-              <a:rPr dirty="0"/>
-              <a:t>Flask – Web application framework.</a:t>
-            </a:r>
-          </a:p>
-          <a:p>
-            <a:r>
-              <a:rPr dirty="0"/>
-              <a:t>HTML, CSS, Bootstrap – Frontend UI design.</a:t>
-            </a:r>
+              <a:t>.</a:t>
+            </a:r>
+            <a:endParaRPr lang="en-US" dirty="0" smtClean="0"/>
+          </a:p>
+          <a:p>
+            <a:r>
+              <a:rPr lang="en-US" dirty="0"/>
+              <a:t>This project uses </a:t>
+            </a:r>
+            <a:r>
+              <a:rPr lang="en-US" b="1" dirty="0"/>
+              <a:t>data-driven techniques</a:t>
+            </a:r>
+            <a:r>
+              <a:rPr lang="en-US" dirty="0"/>
+              <a:t> to estimate future stock prices with improved accuracy.</a:t>
+            </a:r>
+            <a:endParaRPr dirty="0"/>
+          </a:p>
+          <a:p>
+            <a:r>
+              <a:rPr lang="en-US" dirty="0"/>
+              <a:t>The goal is to create an </a:t>
+            </a:r>
+            <a:r>
+              <a:rPr lang="en-US" b="1" dirty="0"/>
+              <a:t>intelligent and user-friendly system</a:t>
+            </a:r>
+            <a:r>
+              <a:rPr lang="en-US" dirty="0"/>
+              <a:t> that supports investors in making better trading decisions</a:t>
+            </a:r>
+            <a:r>
+              <a:rPr lang="en-US" dirty="0" smtClean="0"/>
+              <a:t>.</a:t>
+            </a:r>
+          </a:p>
+          <a:p>
+            <a:endParaRPr lang="en-US" dirty="0" smtClean="0"/>
           </a:p>
         </p:txBody>
       </p:sp>
@@ -6149,19 +7083,14 @@
             <p:ph type="title"/>
           </p:nvPr>
         </p:nvSpPr>
-        <p:spPr>
-          <a:xfrm>
-            <a:off x="628650" y="550506"/>
-            <a:ext cx="7886700" cy="1296955"/>
-          </a:xfrm>
-        </p:spPr>
-        <p:txBody>
-          <a:bodyPr/>
-          <a:lstStyle/>
-          <a:p>
-            <a:r>
-              <a:rPr lang="en-US" dirty="0" smtClean="0"/>
-              <a:t>Methodology: Data Collection</a:t>
+        <p:spPr/>
+        <p:txBody>
+          <a:bodyPr/>
+          <a:lstStyle/>
+          <a:p>
+            <a:r>
+              <a:rPr lang="en-US" dirty="0" smtClean="0"/>
+              <a:t>Existing System</a:t>
             </a:r>
             <a:endParaRPr lang="en-US" dirty="0"/>
           </a:p>
@@ -6177,56 +7106,22 @@
             <p:ph idx="1"/>
           </p:nvPr>
         </p:nvSpPr>
-        <p:spPr>
-          <a:xfrm>
-            <a:off x="628650" y="1576873"/>
-            <a:ext cx="7886700" cy="3722915"/>
-          </a:xfrm>
-        </p:spPr>
-        <p:txBody>
-          <a:bodyPr/>
-          <a:lstStyle/>
-          <a:p>
-            <a:pPr marL="0" indent="0">
-              <a:buNone/>
-            </a:pPr>
-            <a:endParaRPr lang="en-US" dirty="0" smtClean="0"/>
-          </a:p>
-          <a:p>
-            <a:r>
-              <a:rPr lang="en-US" dirty="0" smtClean="0"/>
-              <a:t>ML </a:t>
-            </a:r>
-            <a:r>
-              <a:rPr lang="en-US" dirty="0"/>
-              <a:t>depends heavily on </a:t>
-            </a:r>
-            <a:r>
-              <a:rPr lang="en-US" dirty="0" smtClean="0"/>
-              <a:t>data, </a:t>
-            </a:r>
-            <a:r>
-              <a:rPr lang="en-US" dirty="0"/>
-              <a:t>it is the most crucial aspect that makes algorithm training </a:t>
-            </a:r>
-            <a:r>
-              <a:rPr lang="en-US" dirty="0" smtClean="0"/>
-              <a:t>possible.</a:t>
-            </a:r>
-          </a:p>
-          <a:p>
-            <a:r>
-              <a:rPr lang="en-US" dirty="0"/>
-              <a:t>There are many popular open sources for collecting the data.</a:t>
-            </a:r>
-          </a:p>
-          <a:p>
-            <a:pPr marL="0" indent="0">
-              <a:buNone/>
-            </a:pPr>
-            <a:r>
-              <a:rPr lang="en-US" dirty="0"/>
-              <a:t>    E.g.: kaggle.com, UCI repository, etc</a:t>
+        <p:spPr/>
+        <p:txBody>
+          <a:bodyPr/>
+          <a:lstStyle/>
+          <a:p>
+            <a:r>
+              <a:rPr lang="en-US" dirty="0"/>
+              <a:t>In the existing system, </a:t>
+            </a:r>
+            <a:r>
+              <a:rPr lang="en-US" b="1" dirty="0"/>
+              <a:t>stock prices are predicted manually</a:t>
+            </a:r>
+            <a:r>
+              <a:rPr lang="en-US" dirty="0"/>
+              <a:t> using historical data and market experience</a:t>
             </a:r>
             <a:r>
               <a:rPr lang="en-US" dirty="0" smtClean="0"/>
@@ -6235,20 +7130,16 @@
           </a:p>
           <a:p>
             <a:r>
-              <a:rPr lang="en-US" dirty="0" smtClean="0"/>
-              <a:t>In </a:t>
-            </a:r>
-            <a:r>
-              <a:rPr lang="en-US" dirty="0"/>
-              <a:t>this project we have used </a:t>
-            </a:r>
-            <a:r>
-              <a:rPr lang="en-US" dirty="0" smtClean="0"/>
-              <a:t>mock_kaggle.csv </a:t>
-            </a:r>
-            <a:r>
-              <a:rPr lang="en-US" dirty="0"/>
-              <a:t>data. This data is downloaded from kaggle.com</a:t>
+              <a:rPr lang="en-US" dirty="0"/>
+              <a:t>Investors often rely on </a:t>
+            </a:r>
+            <a:r>
+              <a:rPr lang="en-US" b="1" dirty="0"/>
+              <a:t>technical charts and human intuition</a:t>
+            </a:r>
+            <a:r>
+              <a:rPr lang="en-US" dirty="0"/>
+              <a:t>, which may lead to inaccurate predictions</a:t>
             </a:r>
             <a:r>
               <a:rPr lang="en-US" dirty="0" smtClean="0"/>
@@ -6258,22 +7149,55 @@
           <a:p>
             <a:r>
               <a:rPr lang="en-US" dirty="0"/>
-              <a:t>Link: </a:t>
-            </a:r>
-            <a:r>
-              <a:rPr lang="en-US" dirty="0">
-                <a:hlinkClick r:id="rId3"/>
-              </a:rPr>
-              <a:t>Demand Forecasting</a:t>
-            </a:r>
-            <a:endParaRPr lang="en-US" dirty="0"/>
+              <a:t>Traditional methods </a:t>
+            </a:r>
+            <a:r>
+              <a:rPr lang="en-US" b="1" dirty="0"/>
+              <a:t>fail to handle large datasets</a:t>
+            </a:r>
+            <a:r>
+              <a:rPr lang="en-US" dirty="0"/>
+              <a:t> and complex market fluctuations effectively</a:t>
+            </a:r>
+            <a:r>
+              <a:rPr lang="en-US" dirty="0" smtClean="0"/>
+              <a:t>.</a:t>
+            </a:r>
+          </a:p>
+          <a:p>
+            <a:r>
+              <a:rPr lang="en-US" dirty="0"/>
+              <a:t>These approaches </a:t>
+            </a:r>
+            <a:r>
+              <a:rPr lang="en-US" b="1" dirty="0"/>
+              <a:t>lack automation and real-time prediction capabilities</a:t>
+            </a:r>
+            <a:r>
+              <a:rPr lang="en-US" dirty="0" smtClean="0"/>
+              <a:t>.</a:t>
+            </a:r>
+          </a:p>
+          <a:p>
+            <a:r>
+              <a:rPr lang="en-US" dirty="0"/>
+              <a:t>As a result, the decision-making process becomes </a:t>
+            </a:r>
+            <a:r>
+              <a:rPr lang="en-US" b="1" dirty="0"/>
+              <a:t>time-consuming, less reliable, and prone to human error</a:t>
+            </a:r>
+            <a:r>
+              <a:rPr lang="en-US" dirty="0"/>
+              <a:t>.</a:t>
+            </a:r>
           </a:p>
         </p:txBody>
       </p:sp>
     </p:spTree>
     <p:extLst>
       <p:ext uri="{BB962C8B-B14F-4D97-AF65-F5344CB8AC3E}">
-        <p14:creationId xmlns:p14="http://schemas.microsoft.com/office/powerpoint/2010/main" val="2793726616"/>
+        <p14:creationId xmlns:p14="http://schemas.microsoft.com/office/powerpoint/2010/main" val="2259705209"/>
       </p:ext>
     </p:extLst>
   </p:cSld>
